--- a/1. Documents/ANGULAR SECURITY.pptx
+++ b/1. Documents/ANGULAR SECURITY.pptx
@@ -2,11 +2,14 @@
 <file path=ppt/presentation.xml><?xml version="1.0" encoding="utf-8"?>
 <p:presentation xmlns:a="http://schemas.openxmlformats.org/drawingml/2006/main" xmlns:r="http://schemas.openxmlformats.org/officeDocument/2006/relationships" xmlns:p="http://schemas.openxmlformats.org/presentationml/2006/main" autoCompressPictures="0">
   <p:sldMasterIdLst>
-    <p:sldMasterId id="2147483648" r:id="rId1"/>
+    <p:sldMasterId id="2147483665" r:id="rId1"/>
   </p:sldMasterIdLst>
   <p:sldIdLst>
     <p:sldId id="256" r:id="rId2"/>
     <p:sldId id="257" r:id="rId3"/>
+    <p:sldId id="258" r:id="rId4"/>
+    <p:sldId id="259" r:id="rId5"/>
+    <p:sldId id="260" r:id="rId6"/>
   </p:sldIdLst>
   <p:sldSz cx="12192000" cy="6858000"/>
   <p:notesSz cx="6858000" cy="9144000"/>
@@ -105,6 +108,11 @@
       </a:defRPr>
     </a:lvl9pPr>
   </p:defaultTextStyle>
+  <p:extLst>
+    <p:ext uri="{EFAFB233-063F-42B5-8137-9DF3F51BA10A}">
+      <p15:sldGuideLst xmlns:p15="http://schemas.microsoft.com/office/powerpoint/2012/main"/>
+    </p:ext>
+  </p:extLst>
 </p:presentation>
 </file>
 
@@ -295,9 +303,9 @@
           <a:lstStyle/>
           <a:p>
             <a:fld id="{B61BEF0D-F0BB-DE4B-95CE-6DB70DBA9567}" type="datetimeFigureOut">
-              <a:rPr lang="en-US" dirty="0"/>
+              <a:rPr lang="en-US" smtClean="0"/>
               <a:pPr/>
-              <a:t>3/15/2019</a:t>
+              <a:t>3/19/2019</a:t>
             </a:fld>
             <a:endParaRPr lang="en-US" dirty="0"/>
           </a:p>
@@ -425,7 +433,7 @@
           <a:lstStyle/>
           <a:p>
             <a:fld id="{D57F1E4F-1CFF-5643-939E-217C01CDF565}" type="slidenum">
-              <a:rPr lang="en-US" dirty="0"/>
+              <a:rPr lang="en-US" smtClean="0"/>
               <a:pPr/>
               <a:t>‹#›</a:t>
             </a:fld>
@@ -434,6 +442,11 @@
         </p:txBody>
       </p:sp>
     </p:spTree>
+    <p:extLst>
+      <p:ext uri="{BB962C8B-B14F-4D97-AF65-F5344CB8AC3E}">
+        <p14:creationId xmlns:p14="http://schemas.microsoft.com/office/powerpoint/2010/main" val="2925081868"/>
+      </p:ext>
+    </p:extLst>
   </p:cSld>
   <p:clrMapOvr>
     <a:masterClrMapping/>
@@ -609,7 +622,7 @@
             <a:pPr lvl="0"/>
             <a:r>
               <a:rPr lang="en-US" smtClean="0"/>
-              <a:t>Click to edit Master text styles</a:t>
+              <a:t>Edit Master text styles</a:t>
             </a:r>
           </a:p>
         </p:txBody>
@@ -630,9 +643,9 @@
           <a:lstStyle/>
           <a:p>
             <a:fld id="{B61BEF0D-F0BB-DE4B-95CE-6DB70DBA9567}" type="datetimeFigureOut">
-              <a:rPr lang="en-US" dirty="0"/>
+              <a:rPr lang="en-US" smtClean="0"/>
               <a:pPr/>
-              <a:t>3/15/2019</a:t>
+              <a:t>3/19/2019</a:t>
             </a:fld>
             <a:endParaRPr lang="en-US" dirty="0"/>
           </a:p>
@@ -760,7 +773,7 @@
           <a:lstStyle/>
           <a:p>
             <a:fld id="{D57F1E4F-1CFF-5643-939E-217C01CDF565}" type="slidenum">
-              <a:rPr lang="en-US" dirty="0"/>
+              <a:rPr lang="en-US" smtClean="0"/>
               <a:pPr/>
               <a:t>‹#›</a:t>
             </a:fld>
@@ -769,6 +782,11 @@
         </p:txBody>
       </p:sp>
     </p:spTree>
+    <p:extLst>
+      <p:ext uri="{BB962C8B-B14F-4D97-AF65-F5344CB8AC3E}">
+        <p14:creationId xmlns:p14="http://schemas.microsoft.com/office/powerpoint/2010/main" val="3292638363"/>
+      </p:ext>
+    </p:extLst>
   </p:cSld>
   <p:clrMapOvr>
     <a:masterClrMapping/>
@@ -885,7 +903,7 @@
             <a:pPr lvl="0"/>
             <a:r>
               <a:rPr lang="en-US" smtClean="0"/>
-              <a:t>Click to edit Master text styles</a:t>
+              <a:t>Edit Master text styles</a:t>
             </a:r>
           </a:p>
         </p:txBody>
@@ -1007,7 +1025,7 @@
             <a:pPr lvl="0"/>
             <a:r>
               <a:rPr lang="en-US" smtClean="0"/>
-              <a:t>Click to edit Master text styles</a:t>
+              <a:t>Edit Master text styles</a:t>
             </a:r>
           </a:p>
         </p:txBody>
@@ -1028,9 +1046,9 @@
           <a:lstStyle/>
           <a:p>
             <a:fld id="{B61BEF0D-F0BB-DE4B-95CE-6DB70DBA9567}" type="datetimeFigureOut">
-              <a:rPr lang="en-US" dirty="0"/>
+              <a:rPr lang="en-US" smtClean="0"/>
               <a:pPr/>
-              <a:t>3/15/2019</a:t>
+              <a:t>3/19/2019</a:t>
             </a:fld>
             <a:endParaRPr lang="en-US" dirty="0"/>
           </a:p>
@@ -1158,7 +1176,7 @@
           <a:lstStyle/>
           <a:p>
             <a:fld id="{D57F1E4F-1CFF-5643-939E-217C01CDF565}" type="slidenum">
-              <a:rPr lang="en-US" dirty="0"/>
+              <a:rPr lang="en-US" smtClean="0"/>
               <a:pPr/>
               <a:t>‹#›</a:t>
             </a:fld>
@@ -1243,6 +1261,11 @@
         </p:txBody>
       </p:sp>
     </p:spTree>
+    <p:extLst>
+      <p:ext uri="{BB962C8B-B14F-4D97-AF65-F5344CB8AC3E}">
+        <p14:creationId xmlns:p14="http://schemas.microsoft.com/office/powerpoint/2010/main" val="2576649123"/>
+      </p:ext>
+    </p:extLst>
   </p:cSld>
   <p:clrMapOvr>
     <a:masterClrMapping/>
@@ -1340,7 +1363,7 @@
             </a:pPr>
             <a:r>
               <a:rPr lang="en-US" smtClean="0"/>
-              <a:t>Click to edit Master text styles</a:t>
+              <a:t>Edit Master text styles</a:t>
             </a:r>
           </a:p>
         </p:txBody>
@@ -1361,9 +1384,9 @@
           <a:lstStyle/>
           <a:p>
             <a:fld id="{B61BEF0D-F0BB-DE4B-95CE-6DB70DBA9567}" type="datetimeFigureOut">
-              <a:rPr lang="en-US" dirty="0"/>
+              <a:rPr lang="en-US" smtClean="0"/>
               <a:pPr/>
-              <a:t>3/15/2019</a:t>
+              <a:t>3/19/2019</a:t>
             </a:fld>
             <a:endParaRPr lang="en-US" dirty="0"/>
           </a:p>
@@ -1491,7 +1514,7 @@
           <a:lstStyle/>
           <a:p>
             <a:fld id="{D57F1E4F-1CFF-5643-939E-217C01CDF565}" type="slidenum">
-              <a:rPr lang="en-US" dirty="0"/>
+              <a:rPr lang="en-US" smtClean="0"/>
               <a:pPr/>
               <a:t>‹#›</a:t>
             </a:fld>
@@ -1500,6 +1523,11 @@
         </p:txBody>
       </p:sp>
     </p:spTree>
+    <p:extLst>
+      <p:ext uri="{BB962C8B-B14F-4D97-AF65-F5344CB8AC3E}">
+        <p14:creationId xmlns:p14="http://schemas.microsoft.com/office/powerpoint/2010/main" val="2982359974"/>
+      </p:ext>
+    </p:extLst>
   </p:cSld>
   <p:clrMapOvr>
     <a:masterClrMapping/>
@@ -1613,7 +1641,7 @@
             <a:pPr lvl="0"/>
             <a:r>
               <a:rPr lang="en-US" smtClean="0"/>
-              <a:t>Click to edit Master text styles</a:t>
+              <a:t>Edit Master text styles</a:t>
             </a:r>
           </a:p>
         </p:txBody>
@@ -1657,7 +1685,7 @@
             </a:pPr>
             <a:r>
               <a:rPr lang="en-US" smtClean="0"/>
-              <a:t>Click to edit Master text styles</a:t>
+              <a:t>Edit Master text styles</a:t>
             </a:r>
           </a:p>
         </p:txBody>
@@ -1678,9 +1706,9 @@
           <a:lstStyle/>
           <a:p>
             <a:fld id="{B61BEF0D-F0BB-DE4B-95CE-6DB70DBA9567}" type="datetimeFigureOut">
-              <a:rPr lang="en-US" dirty="0"/>
+              <a:rPr lang="en-US" smtClean="0"/>
               <a:pPr/>
-              <a:t>3/15/2019</a:t>
+              <a:t>3/19/2019</a:t>
             </a:fld>
             <a:endParaRPr lang="en-US" dirty="0"/>
           </a:p>
@@ -1808,7 +1836,7 @@
           <a:lstStyle/>
           <a:p>
             <a:fld id="{D57F1E4F-1CFF-5643-939E-217C01CDF565}" type="slidenum">
-              <a:rPr lang="en-US" dirty="0"/>
+              <a:rPr lang="en-US" smtClean="0"/>
               <a:pPr/>
               <a:t>‹#›</a:t>
             </a:fld>
@@ -1893,6 +1921,11 @@
         </p:txBody>
       </p:sp>
     </p:spTree>
+    <p:extLst>
+      <p:ext uri="{BB962C8B-B14F-4D97-AF65-F5344CB8AC3E}">
+        <p14:creationId xmlns:p14="http://schemas.microsoft.com/office/powerpoint/2010/main" val="1051706433"/>
+      </p:ext>
+    </p:extLst>
   </p:cSld>
   <p:clrMapOvr>
     <a:masterClrMapping/>
@@ -2006,7 +2039,7 @@
             <a:pPr lvl="0"/>
             <a:r>
               <a:rPr lang="en-US" smtClean="0"/>
-              <a:t>Click to edit Master text styles</a:t>
+              <a:t>Edit Master text styles</a:t>
             </a:r>
           </a:p>
         </p:txBody>
@@ -2050,7 +2083,7 @@
             </a:pPr>
             <a:r>
               <a:rPr lang="en-US" smtClean="0"/>
-              <a:t>Click to edit Master text styles</a:t>
+              <a:t>Edit Master text styles</a:t>
             </a:r>
           </a:p>
         </p:txBody>
@@ -2071,9 +2104,9 @@
           <a:lstStyle/>
           <a:p>
             <a:fld id="{B61BEF0D-F0BB-DE4B-95CE-6DB70DBA9567}" type="datetimeFigureOut">
-              <a:rPr lang="en-US" dirty="0"/>
+              <a:rPr lang="en-US" smtClean="0"/>
               <a:pPr/>
-              <a:t>3/15/2019</a:t>
+              <a:t>3/19/2019</a:t>
             </a:fld>
             <a:endParaRPr lang="en-US" dirty="0"/>
           </a:p>
@@ -2201,7 +2234,7 @@
           <a:lstStyle/>
           <a:p>
             <a:fld id="{D57F1E4F-1CFF-5643-939E-217C01CDF565}" type="slidenum">
-              <a:rPr lang="en-US" dirty="0"/>
+              <a:rPr lang="en-US" smtClean="0"/>
               <a:pPr/>
               <a:t>‹#›</a:t>
             </a:fld>
@@ -2210,6 +2243,11 @@
         </p:txBody>
       </p:sp>
     </p:spTree>
+    <p:extLst>
+      <p:ext uri="{BB962C8B-B14F-4D97-AF65-F5344CB8AC3E}">
+        <p14:creationId xmlns:p14="http://schemas.microsoft.com/office/powerpoint/2010/main" val="2211863173"/>
+      </p:ext>
+    </p:extLst>
   </p:cSld>
   <p:clrMapOvr>
     <a:masterClrMapping/>
@@ -2275,7 +2313,7 @@
             <a:pPr lvl="0"/>
             <a:r>
               <a:rPr lang="en-US" smtClean="0"/>
-              <a:t>Click to edit Master text styles</a:t>
+              <a:t>Edit Master text styles</a:t>
             </a:r>
           </a:p>
           <a:p>
@@ -2325,9 +2363,9 @@
           <a:lstStyle/>
           <a:p>
             <a:fld id="{B61BEF0D-F0BB-DE4B-95CE-6DB70DBA9567}" type="datetimeFigureOut">
-              <a:rPr lang="en-US" dirty="0"/>
+              <a:rPr lang="en-US" smtClean="0"/>
               <a:pPr/>
-              <a:t>3/15/2019</a:t>
+              <a:t>3/19/2019</a:t>
             </a:fld>
             <a:endParaRPr lang="en-US" dirty="0"/>
           </a:p>
@@ -2450,7 +2488,7 @@
           <a:lstStyle/>
           <a:p>
             <a:fld id="{D57F1E4F-1CFF-5643-939E-217C01CDF565}" type="slidenum">
-              <a:rPr lang="en-US" dirty="0"/>
+              <a:rPr lang="en-US" smtClean="0"/>
               <a:pPr/>
               <a:t>‹#›</a:t>
             </a:fld>
@@ -2459,6 +2497,11 @@
         </p:txBody>
       </p:sp>
     </p:spTree>
+    <p:extLst>
+      <p:ext uri="{BB962C8B-B14F-4D97-AF65-F5344CB8AC3E}">
+        <p14:creationId xmlns:p14="http://schemas.microsoft.com/office/powerpoint/2010/main" val="208023811"/>
+      </p:ext>
+    </p:extLst>
   </p:cSld>
   <p:clrMapOvr>
     <a:masterClrMapping/>
@@ -2534,7 +2577,7 @@
             <a:pPr lvl="0"/>
             <a:r>
               <a:rPr lang="en-US" smtClean="0"/>
-              <a:t>Click to edit Master text styles</a:t>
+              <a:t>Edit Master text styles</a:t>
             </a:r>
           </a:p>
           <a:p>
@@ -2584,9 +2627,9 @@
           <a:lstStyle/>
           <a:p>
             <a:fld id="{B61BEF0D-F0BB-DE4B-95CE-6DB70DBA9567}" type="datetimeFigureOut">
-              <a:rPr lang="en-US" dirty="0"/>
+              <a:rPr lang="en-US" smtClean="0"/>
               <a:pPr/>
-              <a:t>3/15/2019</a:t>
+              <a:t>3/19/2019</a:t>
             </a:fld>
             <a:endParaRPr lang="en-US" dirty="0"/>
           </a:p>
@@ -2709,7 +2752,7 @@
           <a:lstStyle/>
           <a:p>
             <a:fld id="{D57F1E4F-1CFF-5643-939E-217C01CDF565}" type="slidenum">
-              <a:rPr lang="en-US" dirty="0"/>
+              <a:rPr lang="en-US" smtClean="0"/>
               <a:pPr/>
               <a:t>‹#›</a:t>
             </a:fld>
@@ -2718,6 +2761,11 @@
         </p:txBody>
       </p:sp>
     </p:spTree>
+    <p:extLst>
+      <p:ext uri="{BB962C8B-B14F-4D97-AF65-F5344CB8AC3E}">
+        <p14:creationId xmlns:p14="http://schemas.microsoft.com/office/powerpoint/2010/main" val="3874169592"/>
+      </p:ext>
+    </p:extLst>
   </p:cSld>
   <p:clrMapOvr>
     <a:masterClrMapping/>
@@ -2793,7 +2841,7 @@
             <a:pPr lvl="0"/>
             <a:r>
               <a:rPr lang="en-US" smtClean="0"/>
-              <a:t>Click to edit Master text styles</a:t>
+              <a:t>Edit Master text styles</a:t>
             </a:r>
           </a:p>
           <a:p>
@@ -2843,9 +2891,9 @@
           <a:lstStyle/>
           <a:p>
             <a:fld id="{B61BEF0D-F0BB-DE4B-95CE-6DB70DBA9567}" type="datetimeFigureOut">
-              <a:rPr lang="en-US" dirty="0"/>
+              <a:rPr lang="en-US" smtClean="0"/>
               <a:pPr/>
-              <a:t>3/15/2019</a:t>
+              <a:t>3/19/2019</a:t>
             </a:fld>
             <a:endParaRPr lang="en-US" dirty="0"/>
           </a:p>
@@ -2968,7 +3016,7 @@
           <a:lstStyle/>
           <a:p>
             <a:fld id="{D57F1E4F-1CFF-5643-939E-217C01CDF565}" type="slidenum">
-              <a:rPr lang="en-US" dirty="0"/>
+              <a:rPr lang="en-US" smtClean="0"/>
               <a:pPr/>
               <a:t>‹#›</a:t>
             </a:fld>
@@ -2977,6 +3025,11 @@
         </p:txBody>
       </p:sp>
     </p:spTree>
+    <p:extLst>
+      <p:ext uri="{BB962C8B-B14F-4D97-AF65-F5344CB8AC3E}">
+        <p14:creationId xmlns:p14="http://schemas.microsoft.com/office/powerpoint/2010/main" val="1783572009"/>
+      </p:ext>
+    </p:extLst>
   </p:cSld>
   <p:clrMapOvr>
     <a:masterClrMapping/>
@@ -3148,7 +3201,7 @@
             <a:pPr lvl="0"/>
             <a:r>
               <a:rPr lang="en-US" smtClean="0"/>
-              <a:t>Click to edit Master text styles</a:t>
+              <a:t>Edit Master text styles</a:t>
             </a:r>
           </a:p>
         </p:txBody>
@@ -3169,9 +3222,9 @@
           <a:lstStyle/>
           <a:p>
             <a:fld id="{B61BEF0D-F0BB-DE4B-95CE-6DB70DBA9567}" type="datetimeFigureOut">
-              <a:rPr lang="en-US" dirty="0"/>
+              <a:rPr lang="en-US" smtClean="0"/>
               <a:pPr/>
-              <a:t>3/15/2019</a:t>
+              <a:t>3/19/2019</a:t>
             </a:fld>
             <a:endParaRPr lang="en-US" dirty="0"/>
           </a:p>
@@ -3299,7 +3352,7 @@
           <a:lstStyle/>
           <a:p>
             <a:fld id="{D57F1E4F-1CFF-5643-939E-217C01CDF565}" type="slidenum">
-              <a:rPr lang="en-US" dirty="0"/>
+              <a:rPr lang="en-US" smtClean="0"/>
               <a:pPr/>
               <a:t>‹#›</a:t>
             </a:fld>
@@ -3308,6 +3361,11 @@
         </p:txBody>
       </p:sp>
     </p:spTree>
+    <p:extLst>
+      <p:ext uri="{BB962C8B-B14F-4D97-AF65-F5344CB8AC3E}">
+        <p14:creationId xmlns:p14="http://schemas.microsoft.com/office/powerpoint/2010/main" val="798346395"/>
+      </p:ext>
+    </p:extLst>
   </p:cSld>
   <p:clrMapOvr>
     <a:masterClrMapping/>
@@ -3380,7 +3438,7 @@
             <a:pPr lvl="0"/>
             <a:r>
               <a:rPr lang="en-US" smtClean="0"/>
-              <a:t>Click to edit Master text styles</a:t>
+              <a:t>Edit Master text styles</a:t>
             </a:r>
           </a:p>
           <a:p>
@@ -3439,7 +3497,7 @@
             <a:pPr lvl="0"/>
             <a:r>
               <a:rPr lang="en-US" smtClean="0"/>
-              <a:t>Click to edit Master text styles</a:t>
+              <a:t>Edit Master text styles</a:t>
             </a:r>
           </a:p>
           <a:p>
@@ -3489,9 +3547,9 @@
           <a:lstStyle/>
           <a:p>
             <a:fld id="{B61BEF0D-F0BB-DE4B-95CE-6DB70DBA9567}" type="datetimeFigureOut">
-              <a:rPr lang="en-US" dirty="0"/>
+              <a:rPr lang="en-US" smtClean="0"/>
               <a:pPr/>
-              <a:t>3/15/2019</a:t>
+              <a:t>3/19/2019</a:t>
             </a:fld>
             <a:endParaRPr lang="en-US" dirty="0"/>
           </a:p>
@@ -3518,7 +3576,7 @@
       </p:sp>
       <p:sp>
         <p:nvSpPr>
-          <p:cNvPr id="10" name="Freeform 11"/>
+          <p:cNvPr id="12" name="Freeform 11"/>
           <p:cNvSpPr/>
           <p:nvPr/>
         </p:nvSpPr>
@@ -3600,7 +3658,7 @@
       </p:sp>
       <p:sp>
         <p:nvSpPr>
-          <p:cNvPr id="11" name="Slide Number Placeholder 5"/>
+          <p:cNvPr id="13" name="Slide Number Placeholder 5"/>
           <p:cNvSpPr>
             <a:spLocks noGrp="1"/>
           </p:cNvSpPr>
@@ -3619,7 +3677,7 @@
           <a:lstStyle/>
           <a:p>
             <a:fld id="{D57F1E4F-1CFF-5643-939E-217C01CDF565}" type="slidenum">
-              <a:rPr lang="en-US" dirty="0"/>
+              <a:rPr lang="en-US" smtClean="0"/>
               <a:pPr/>
               <a:t>‹#›</a:t>
             </a:fld>
@@ -3628,6 +3686,11 @@
         </p:txBody>
       </p:sp>
     </p:spTree>
+    <p:extLst>
+      <p:ext uri="{BB962C8B-B14F-4D97-AF65-F5344CB8AC3E}">
+        <p14:creationId xmlns:p14="http://schemas.microsoft.com/office/powerpoint/2010/main" val="2565859598"/>
+      </p:ext>
+    </p:extLst>
   </p:cSld>
   <p:clrMapOvr>
     <a:masterClrMapping/>
@@ -3737,7 +3800,7 @@
             <a:pPr lvl="0"/>
             <a:r>
               <a:rPr lang="en-US" smtClean="0"/>
-              <a:t>Click to edit Master text styles</a:t>
+              <a:t>Edit Master text styles</a:t>
             </a:r>
           </a:p>
         </p:txBody>
@@ -3767,7 +3830,7 @@
             <a:pPr lvl="0"/>
             <a:r>
               <a:rPr lang="en-US" smtClean="0"/>
-              <a:t>Click to edit Master text styles</a:t>
+              <a:t>Edit Master text styles</a:t>
             </a:r>
           </a:p>
           <a:p>
@@ -3863,7 +3926,7 @@
             <a:pPr lvl="0"/>
             <a:r>
               <a:rPr lang="en-US" smtClean="0"/>
-              <a:t>Click to edit Master text styles</a:t>
+              <a:t>Edit Master text styles</a:t>
             </a:r>
           </a:p>
         </p:txBody>
@@ -3893,7 +3956,7 @@
             <a:pPr lvl="0"/>
             <a:r>
               <a:rPr lang="en-US" smtClean="0"/>
-              <a:t>Click to edit Master text styles</a:t>
+              <a:t>Edit Master text styles</a:t>
             </a:r>
           </a:p>
           <a:p>
@@ -3943,9 +4006,9 @@
           <a:lstStyle/>
           <a:p>
             <a:fld id="{B61BEF0D-F0BB-DE4B-95CE-6DB70DBA9567}" type="datetimeFigureOut">
-              <a:rPr lang="en-US" dirty="0"/>
+              <a:rPr lang="en-US" smtClean="0"/>
               <a:pPr/>
-              <a:t>3/15/2019</a:t>
+              <a:t>3/19/2019</a:t>
             </a:fld>
             <a:endParaRPr lang="en-US" dirty="0"/>
           </a:p>
@@ -4073,7 +4136,7 @@
           <a:lstStyle/>
           <a:p>
             <a:fld id="{D57F1E4F-1CFF-5643-939E-217C01CDF565}" type="slidenum">
-              <a:rPr lang="en-US" dirty="0"/>
+              <a:rPr lang="en-US" smtClean="0"/>
               <a:pPr/>
               <a:t>‹#›</a:t>
             </a:fld>
@@ -4082,6 +4145,11 @@
         </p:txBody>
       </p:sp>
     </p:spTree>
+    <p:extLst>
+      <p:ext uri="{BB962C8B-B14F-4D97-AF65-F5344CB8AC3E}">
+        <p14:creationId xmlns:p14="http://schemas.microsoft.com/office/powerpoint/2010/main" val="1093658775"/>
+      </p:ext>
+    </p:extLst>
   </p:cSld>
   <p:clrMapOvr>
     <a:masterClrMapping/>
@@ -4145,9 +4213,9 @@
           <a:lstStyle/>
           <a:p>
             <a:fld id="{B61BEF0D-F0BB-DE4B-95CE-6DB70DBA9567}" type="datetimeFigureOut">
-              <a:rPr lang="en-US" dirty="0"/>
+              <a:rPr lang="en-US" smtClean="0"/>
               <a:pPr/>
-              <a:t>3/15/2019</a:t>
+              <a:t>3/19/2019</a:t>
             </a:fld>
             <a:endParaRPr lang="en-US" dirty="0"/>
           </a:p>
@@ -4270,7 +4338,7 @@
           <a:lstStyle/>
           <a:p>
             <a:fld id="{D57F1E4F-1CFF-5643-939E-217C01CDF565}" type="slidenum">
-              <a:rPr lang="en-US" dirty="0"/>
+              <a:rPr lang="en-US" smtClean="0"/>
               <a:pPr/>
               <a:t>‹#›</a:t>
             </a:fld>
@@ -4279,6 +4347,11 @@
         </p:txBody>
       </p:sp>
     </p:spTree>
+    <p:extLst>
+      <p:ext uri="{BB962C8B-B14F-4D97-AF65-F5344CB8AC3E}">
+        <p14:creationId xmlns:p14="http://schemas.microsoft.com/office/powerpoint/2010/main" val="1615794155"/>
+      </p:ext>
+    </p:extLst>
   </p:cSld>
   <p:clrMapOvr>
     <a:masterClrMapping/>
@@ -4319,9 +4392,9 @@
           <a:lstStyle/>
           <a:p>
             <a:fld id="{B61BEF0D-F0BB-DE4B-95CE-6DB70DBA9567}" type="datetimeFigureOut">
-              <a:rPr lang="en-US" dirty="0"/>
+              <a:rPr lang="en-US" smtClean="0"/>
               <a:pPr/>
-              <a:t>3/15/2019</a:t>
+              <a:t>3/19/2019</a:t>
             </a:fld>
             <a:endParaRPr lang="en-US" dirty="0"/>
           </a:p>
@@ -4444,7 +4517,7 @@
           <a:lstStyle/>
           <a:p>
             <a:fld id="{D57F1E4F-1CFF-5643-939E-217C01CDF565}" type="slidenum">
-              <a:rPr lang="en-US" dirty="0"/>
+              <a:rPr lang="en-US" smtClean="0"/>
               <a:pPr/>
               <a:t>‹#›</a:t>
             </a:fld>
@@ -4453,6 +4526,11 @@
         </p:txBody>
       </p:sp>
     </p:spTree>
+    <p:extLst>
+      <p:ext uri="{BB962C8B-B14F-4D97-AF65-F5344CB8AC3E}">
+        <p14:creationId xmlns:p14="http://schemas.microsoft.com/office/powerpoint/2010/main" val="3542163964"/>
+      </p:ext>
+    </p:extLst>
   </p:cSld>
   <p:clrMapOvr>
     <a:masterClrMapping/>
@@ -4534,7 +4612,7 @@
             <a:pPr lvl="0"/>
             <a:r>
               <a:rPr lang="en-US" smtClean="0"/>
-              <a:t>Click to edit Master text styles</a:t>
+              <a:t>Edit Master text styles</a:t>
             </a:r>
           </a:p>
           <a:p>
@@ -4628,7 +4706,7 @@
             <a:pPr lvl="0"/>
             <a:r>
               <a:rPr lang="en-US" smtClean="0"/>
-              <a:t>Click to edit Master text styles</a:t>
+              <a:t>Edit Master text styles</a:t>
             </a:r>
           </a:p>
         </p:txBody>
@@ -4649,9 +4727,9 @@
           <a:lstStyle/>
           <a:p>
             <a:fld id="{B61BEF0D-F0BB-DE4B-95CE-6DB70DBA9567}" type="datetimeFigureOut">
-              <a:rPr lang="en-US" dirty="0"/>
+              <a:rPr lang="en-US" smtClean="0"/>
               <a:pPr/>
-              <a:t>3/15/2019</a:t>
+              <a:t>3/19/2019</a:t>
             </a:fld>
             <a:endParaRPr lang="en-US" dirty="0"/>
           </a:p>
@@ -4774,7 +4852,7 @@
           <a:lstStyle/>
           <a:p>
             <a:fld id="{D57F1E4F-1CFF-5643-939E-217C01CDF565}" type="slidenum">
-              <a:rPr lang="en-US" dirty="0"/>
+              <a:rPr lang="en-US" smtClean="0"/>
               <a:pPr/>
               <a:t>‹#›</a:t>
             </a:fld>
@@ -4783,6 +4861,11 @@
         </p:txBody>
       </p:sp>
     </p:spTree>
+    <p:extLst>
+      <p:ext uri="{BB962C8B-B14F-4D97-AF65-F5344CB8AC3E}">
+        <p14:creationId xmlns:p14="http://schemas.microsoft.com/office/powerpoint/2010/main" val="1197708919"/>
+      </p:ext>
+    </p:extLst>
   </p:cSld>
   <p:clrMapOvr>
     <a:masterClrMapping/>
@@ -4970,7 +5053,7 @@
             <a:pPr lvl="0"/>
             <a:r>
               <a:rPr lang="en-US" smtClean="0"/>
-              <a:t>Click to edit Master text styles</a:t>
+              <a:t>Edit Master text styles</a:t>
             </a:r>
           </a:p>
         </p:txBody>
@@ -4991,9 +5074,9 @@
           <a:lstStyle/>
           <a:p>
             <a:fld id="{B61BEF0D-F0BB-DE4B-95CE-6DB70DBA9567}" type="datetimeFigureOut">
-              <a:rPr lang="en-US" dirty="0"/>
+              <a:rPr lang="en-US" smtClean="0"/>
               <a:pPr/>
-              <a:t>3/15/2019</a:t>
+              <a:t>3/19/2019</a:t>
             </a:fld>
             <a:endParaRPr lang="en-US" dirty="0"/>
           </a:p>
@@ -5121,7 +5204,7 @@
           <a:lstStyle/>
           <a:p>
             <a:fld id="{D57F1E4F-1CFF-5643-939E-217C01CDF565}" type="slidenum">
-              <a:rPr lang="en-US" dirty="0"/>
+              <a:rPr lang="en-US" smtClean="0"/>
               <a:pPr/>
               <a:t>‹#›</a:t>
             </a:fld>
@@ -5130,6 +5213,11 @@
         </p:txBody>
       </p:sp>
     </p:spTree>
+    <p:extLst>
+      <p:ext uri="{BB962C8B-B14F-4D97-AF65-F5344CB8AC3E}">
+        <p14:creationId xmlns:p14="http://schemas.microsoft.com/office/powerpoint/2010/main" val="4056260748"/>
+      </p:ext>
+    </p:extLst>
   </p:cSld>
   <p:clrMapOvr>
     <a:masterClrMapping/>
@@ -5141,7 +5229,7 @@
 <p:sldMaster xmlns:a="http://schemas.openxmlformats.org/drawingml/2006/main" xmlns:r="http://schemas.openxmlformats.org/officeDocument/2006/relationships" xmlns:p="http://schemas.openxmlformats.org/presentationml/2006/main">
   <p:cSld>
     <p:bg>
-      <p:bgRef idx="1003">
+      <p:bgRef idx="1002">
         <a:schemeClr val="bg2"/>
       </p:bgRef>
     </p:bg>
@@ -6039,10 +6127,10 @@
         </p:nvGrpSpPr>
         <p:grpSpPr>
           <a:xfrm>
-            <a:off x="27221" y="-786"/>
-            <a:ext cx="2356674" cy="6854039"/>
-            <a:chOff x="6627813" y="194833"/>
-            <a:chExt cx="1952625" cy="5678918"/>
+            <a:off x="27221" y="157"/>
+            <a:ext cx="2356674" cy="6853096"/>
+            <a:chOff x="6627813" y="195610"/>
+            <a:chExt cx="1952625" cy="5678141"/>
           </a:xfrm>
         </p:grpSpPr>
         <p:sp>
@@ -6053,7 +6141,7 @@
           </p:nvSpPr>
           <p:spPr bwMode="auto">
             <a:xfrm>
-              <a:off x="6627813" y="194833"/>
+              <a:off x="6627813" y="195610"/>
               <a:ext cx="409575" cy="3646488"/>
             </a:xfrm>
             <a:custGeom>
@@ -7037,7 +7125,7 @@
             <a:pPr lvl="0"/>
             <a:r>
               <a:rPr lang="en-US" smtClean="0"/>
-              <a:t>Click to edit Master text styles</a:t>
+              <a:t>Edit Master text styles</a:t>
             </a:r>
           </a:p>
           <a:p>
@@ -7105,9 +7193,9 @@
           </a:lstStyle>
           <a:p>
             <a:fld id="{B61BEF0D-F0BB-DE4B-95CE-6DB70DBA9567}" type="datetimeFigureOut">
-              <a:rPr lang="en-US" dirty="0"/>
+              <a:rPr lang="en-US" smtClean="0"/>
               <a:pPr/>
-              <a:t>3/15/2019</a:t>
+              <a:t>3/19/2019</a:t>
             </a:fld>
             <a:endParaRPr lang="en-US" dirty="0"/>
           </a:p>
@@ -7182,7 +7270,7 @@
           </a:lstStyle>
           <a:p>
             <a:fld id="{D57F1E4F-1CFF-5643-939E-217C01CDF565}" type="slidenum">
-              <a:rPr lang="en-US" dirty="0"/>
+              <a:rPr lang="en-US" smtClean="0"/>
               <a:pPr/>
               <a:t>‹#›</a:t>
             </a:fld>
@@ -7191,25 +7279,30 @@
         </p:txBody>
       </p:sp>
     </p:spTree>
+    <p:extLst>
+      <p:ext uri="{BB962C8B-B14F-4D97-AF65-F5344CB8AC3E}">
+        <p14:creationId xmlns:p14="http://schemas.microsoft.com/office/powerpoint/2010/main" val="4282781423"/>
+      </p:ext>
+    </p:extLst>
   </p:cSld>
   <p:clrMap bg1="lt1" tx1="dk1" bg2="lt2" tx2="dk2" accent1="accent1" accent2="accent2" accent3="accent3" accent4="accent4" accent5="accent5" accent6="accent6" hlink="hlink" folHlink="folHlink"/>
   <p:sldLayoutIdLst>
-    <p:sldLayoutId id="2147483649" r:id="rId1"/>
-    <p:sldLayoutId id="2147483650" r:id="rId2"/>
-    <p:sldLayoutId id="2147483651" r:id="rId3"/>
-    <p:sldLayoutId id="2147483652" r:id="rId4"/>
-    <p:sldLayoutId id="2147483653" r:id="rId5"/>
-    <p:sldLayoutId id="2147483654" r:id="rId6"/>
-    <p:sldLayoutId id="2147483655" r:id="rId7"/>
-    <p:sldLayoutId id="2147483656" r:id="rId8"/>
-    <p:sldLayoutId id="2147483657" r:id="rId9"/>
-    <p:sldLayoutId id="2147483660" r:id="rId10"/>
-    <p:sldLayoutId id="2147483661" r:id="rId11"/>
-    <p:sldLayoutId id="2147483662" r:id="rId12"/>
-    <p:sldLayoutId id="2147483663" r:id="rId13"/>
-    <p:sldLayoutId id="2147483664" r:id="rId14"/>
-    <p:sldLayoutId id="2147483658" r:id="rId15"/>
-    <p:sldLayoutId id="2147483659" r:id="rId16"/>
+    <p:sldLayoutId id="2147483666" r:id="rId1"/>
+    <p:sldLayoutId id="2147483667" r:id="rId2"/>
+    <p:sldLayoutId id="2147483668" r:id="rId3"/>
+    <p:sldLayoutId id="2147483669" r:id="rId4"/>
+    <p:sldLayoutId id="2147483670" r:id="rId5"/>
+    <p:sldLayoutId id="2147483671" r:id="rId6"/>
+    <p:sldLayoutId id="2147483672" r:id="rId7"/>
+    <p:sldLayoutId id="2147483673" r:id="rId8"/>
+    <p:sldLayoutId id="2147483674" r:id="rId9"/>
+    <p:sldLayoutId id="2147483675" r:id="rId10"/>
+    <p:sldLayoutId id="2147483676" r:id="rId11"/>
+    <p:sldLayoutId id="2147483677" r:id="rId12"/>
+    <p:sldLayoutId id="2147483678" r:id="rId13"/>
+    <p:sldLayoutId id="2147483679" r:id="rId14"/>
+    <p:sldLayoutId id="2147483680" r:id="rId15"/>
+    <p:sldLayoutId id="2147483681" r:id="rId16"/>
   </p:sldLayoutIdLst>
   <p:txStyles>
     <p:titleStyle>
@@ -7220,9 +7313,8 @@
         <a:buNone/>
         <a:defRPr sz="3600" kern="1200">
           <a:solidFill>
-            <a:schemeClr val="tx1">
-              <a:lumMod val="85000"/>
-              <a:lumOff val="15000"/>
+            <a:schemeClr val="accent2">
+              <a:lumMod val="75000"/>
             </a:schemeClr>
           </a:solidFill>
           <a:latin typeface="+mj-lt"/>
@@ -7633,45 +7725,53 @@
         </p:nvSpPr>
         <p:spPr/>
         <p:txBody>
+          <a:bodyPr anchor="b"/>
+          <a:lstStyle/>
+          <a:p>
+            <a:r>
+              <a:rPr lang="en-US" b="1" dirty="0" smtClean="0">
+                <a:solidFill>
+                  <a:srgbClr val="0070C0"/>
+                </a:solidFill>
+              </a:rPr>
+              <a:t>ANGULAR SECURITY</a:t>
+            </a:r>
+            <a:endParaRPr lang="en-US" b="1" dirty="0">
+              <a:solidFill>
+                <a:srgbClr val="0070C0"/>
+              </a:solidFill>
+            </a:endParaRPr>
+          </a:p>
+        </p:txBody>
+      </p:sp>
+      <p:sp>
+        <p:nvSpPr>
+          <p:cNvPr id="3" name="Subtitle 2"/>
+          <p:cNvSpPr>
+            <a:spLocks noGrp="1"/>
+          </p:cNvSpPr>
+          <p:nvPr>
+            <p:ph type="subTitle" idx="1"/>
+          </p:nvPr>
+        </p:nvSpPr>
+        <p:spPr/>
+        <p:txBody>
           <a:bodyPr/>
           <a:lstStyle/>
           <a:p>
             <a:r>
-              <a:rPr lang="en-US" dirty="0" smtClean="0"/>
-              <a:t>ANGULAR SECURITY</a:t>
-            </a:r>
-            <a:endParaRPr lang="en-US" dirty="0"/>
-          </a:p>
-        </p:txBody>
-      </p:sp>
-      <p:sp>
-        <p:nvSpPr>
-          <p:cNvPr id="3" name="Subtitle 2"/>
-          <p:cNvSpPr>
-            <a:spLocks noGrp="1"/>
-          </p:cNvSpPr>
-          <p:nvPr>
-            <p:ph type="subTitle" idx="1"/>
-          </p:nvPr>
-        </p:nvSpPr>
-        <p:spPr/>
-        <p:txBody>
-          <a:bodyPr/>
-          <a:lstStyle/>
-          <a:p>
-            <a:r>
-              <a:rPr lang="en-US"/>
+              <a:rPr lang="en-US" sz="2800" dirty="0" err="1"/>
               <a:t>P</a:t>
             </a:r>
             <a:r>
-              <a:rPr lang="en-US" smtClean="0"/>
+              <a:rPr lang="en-US" sz="2800" dirty="0" err="1" smtClean="0"/>
               <a:t>resentator</a:t>
             </a:r>
             <a:r>
-              <a:rPr lang="en-US" dirty="0" smtClean="0"/>
+              <a:rPr lang="en-US" sz="2800" dirty="0" smtClean="0"/>
               <a:t>: MyHN</a:t>
             </a:r>
-            <a:endParaRPr lang="en-US" dirty="0"/>
+            <a:endParaRPr lang="en-US" sz="2800" dirty="0"/>
           </a:p>
           <a:p>
             <a:endParaRPr lang="en-US" dirty="0"/>
@@ -7688,6 +7788,144 @@
   <p:clrMapOvr>
     <a:masterClrMapping/>
   </p:clrMapOvr>
+  <p:timing>
+    <p:tnLst>
+      <p:par>
+        <p:cTn id="1" dur="indefinite" restart="never" nodeType="tmRoot">
+          <p:childTnLst>
+            <p:seq concurrent="1" nextAc="seek">
+              <p:cTn id="2" dur="indefinite" nodeType="mainSeq">
+                <p:childTnLst>
+                  <p:par>
+                    <p:cTn id="3" fill="hold">
+                      <p:stCondLst>
+                        <p:cond delay="indefinite"/>
+                      </p:stCondLst>
+                      <p:childTnLst>
+                        <p:par>
+                          <p:cTn id="4" fill="hold">
+                            <p:stCondLst>
+                              <p:cond delay="0"/>
+                            </p:stCondLst>
+                            <p:childTnLst>
+                              <p:par>
+                                <p:cTn id="5" presetID="16" presetClass="entr" presetSubtype="21" fill="hold" grpId="0" nodeType="clickEffect">
+                                  <p:stCondLst>
+                                    <p:cond delay="0"/>
+                                  </p:stCondLst>
+                                  <p:childTnLst>
+                                    <p:set>
+                                      <p:cBhvr>
+                                        <p:cTn id="6" dur="1" fill="hold">
+                                          <p:stCondLst>
+                                            <p:cond delay="0"/>
+                                          </p:stCondLst>
+                                        </p:cTn>
+                                        <p:tgtEl>
+                                          <p:spTgt spid="2"/>
+                                        </p:tgtEl>
+                                        <p:attrNameLst>
+                                          <p:attrName>style.visibility</p:attrName>
+                                        </p:attrNameLst>
+                                      </p:cBhvr>
+                                      <p:to>
+                                        <p:strVal val="visible"/>
+                                      </p:to>
+                                    </p:set>
+                                    <p:animEffect transition="in" filter="barn(inVertical)">
+                                      <p:cBhvr>
+                                        <p:cTn id="7" dur="500"/>
+                                        <p:tgtEl>
+                                          <p:spTgt spid="2"/>
+                                        </p:tgtEl>
+                                      </p:cBhvr>
+                                    </p:animEffect>
+                                  </p:childTnLst>
+                                </p:cTn>
+                              </p:par>
+                            </p:childTnLst>
+                          </p:cTn>
+                        </p:par>
+                        <p:par>
+                          <p:cTn id="8" fill="hold">
+                            <p:stCondLst>
+                              <p:cond delay="500"/>
+                            </p:stCondLst>
+                            <p:childTnLst>
+                              <p:par>
+                                <p:cTn id="9" presetID="6" presetClass="entr" presetSubtype="16" fill="hold" nodeType="afterEffect">
+                                  <p:stCondLst>
+                                    <p:cond delay="0"/>
+                                  </p:stCondLst>
+                                  <p:childTnLst>
+                                    <p:set>
+                                      <p:cBhvr>
+                                        <p:cTn id="10" dur="1" fill="hold">
+                                          <p:stCondLst>
+                                            <p:cond delay="0"/>
+                                          </p:stCondLst>
+                                        </p:cTn>
+                                        <p:tgtEl>
+                                          <p:spTgt spid="3">
+                                            <p:txEl>
+                                              <p:pRg st="0" end="0"/>
+                                            </p:txEl>
+                                          </p:spTgt>
+                                        </p:tgtEl>
+                                        <p:attrNameLst>
+                                          <p:attrName>style.visibility</p:attrName>
+                                        </p:attrNameLst>
+                                      </p:cBhvr>
+                                      <p:to>
+                                        <p:strVal val="visible"/>
+                                      </p:to>
+                                    </p:set>
+                                    <p:animEffect transition="in" filter="circle(in)">
+                                      <p:cBhvr>
+                                        <p:cTn id="11" dur="1000"/>
+                                        <p:tgtEl>
+                                          <p:spTgt spid="3">
+                                            <p:txEl>
+                                              <p:pRg st="0" end="0"/>
+                                            </p:txEl>
+                                          </p:spTgt>
+                                        </p:tgtEl>
+                                      </p:cBhvr>
+                                    </p:animEffect>
+                                  </p:childTnLst>
+                                </p:cTn>
+                              </p:par>
+                            </p:childTnLst>
+                          </p:cTn>
+                        </p:par>
+                      </p:childTnLst>
+                    </p:cTn>
+                  </p:par>
+                </p:childTnLst>
+              </p:cTn>
+              <p:prevCondLst>
+                <p:cond evt="onPrev" delay="0">
+                  <p:tgtEl>
+                    <p:sldTgt/>
+                  </p:tgtEl>
+                </p:cond>
+              </p:prevCondLst>
+              <p:nextCondLst>
+                <p:cond evt="onNext" delay="0">
+                  <p:tgtEl>
+                    <p:sldTgt/>
+                  </p:tgtEl>
+                </p:cond>
+              </p:nextCondLst>
+            </p:seq>
+          </p:childTnLst>
+        </p:cTn>
+      </p:par>
+    </p:tnLst>
+    <p:bldLst>
+      <p:bldP spid="2" grpId="0"/>
+    </p:bldLst>
+  </p:timing>
 </p:sld>
 </file>
 
@@ -7723,7 +7961,11 @@
           <a:bodyPr/>
           <a:lstStyle/>
           <a:p>
-            <a:endParaRPr lang="en-US"/>
+            <a:r>
+              <a:rPr lang="en-US" dirty="0" smtClean="0"/>
+              <a:t>Content</a:t>
+            </a:r>
+            <a:endParaRPr lang="en-US" dirty="0"/>
           </a:p>
         </p:txBody>
       </p:sp>
@@ -7739,10 +7981,58 @@
         </p:nvSpPr>
         <p:spPr/>
         <p:txBody>
-          <a:bodyPr/>
+          <a:bodyPr>
+            <a:normAutofit/>
+          </a:bodyPr>
           <a:lstStyle/>
           <a:p>
-            <a:endParaRPr lang="en-US"/>
+            <a:r>
+              <a:rPr lang="en-US" sz="2800" dirty="0"/>
+              <a:t>I</a:t>
+            </a:r>
+            <a:r>
+              <a:rPr lang="en-US" sz="2800" dirty="0" smtClean="0"/>
+              <a:t>. </a:t>
+            </a:r>
+            <a:r>
+              <a:rPr lang="en-US" sz="2800" dirty="0"/>
+              <a:t>Token-Based </a:t>
+            </a:r>
+            <a:r>
+              <a:rPr lang="en-US" sz="2800" dirty="0" smtClean="0"/>
+              <a:t>Authentication</a:t>
+            </a:r>
+          </a:p>
+          <a:p>
+            <a:r>
+              <a:rPr lang="en-US" sz="2800" dirty="0" smtClean="0"/>
+              <a:t>II</a:t>
+            </a:r>
+            <a:r>
+              <a:rPr lang="en-US" sz="2800" dirty="0" smtClean="0"/>
+              <a:t>. </a:t>
+            </a:r>
+            <a:r>
+              <a:rPr lang="en-US" sz="2800" dirty="0" err="1" smtClean="0"/>
+              <a:t>Json</a:t>
+            </a:r>
+            <a:r>
+              <a:rPr lang="en-US" sz="2800" dirty="0" smtClean="0"/>
+              <a:t> Web Token (JWT)</a:t>
+            </a:r>
+          </a:p>
+          <a:p>
+            <a:r>
+              <a:rPr lang="en-US" sz="2800" dirty="0" smtClean="0"/>
+              <a:t>III. Angular Authentication and Authorization</a:t>
+            </a:r>
+          </a:p>
+          <a:p>
+            <a:r>
+              <a:rPr lang="en-US" sz="2800" dirty="0" smtClean="0"/>
+              <a:t>IV. Demo</a:t>
+            </a:r>
+            <a:endParaRPr lang="en-US" sz="2800" dirty="0"/>
           </a:p>
         </p:txBody>
       </p:sp>
@@ -7756,6 +8046,1523 @@
   <p:clrMapOvr>
     <a:masterClrMapping/>
   </p:clrMapOvr>
+  <p:timing>
+    <p:tnLst>
+      <p:par>
+        <p:cTn id="1" dur="indefinite" restart="never" nodeType="tmRoot">
+          <p:childTnLst>
+            <p:seq concurrent="1" nextAc="seek">
+              <p:cTn id="2" dur="indefinite" nodeType="mainSeq">
+                <p:childTnLst>
+                  <p:par>
+                    <p:cTn id="3" fill="hold">
+                      <p:stCondLst>
+                        <p:cond delay="indefinite"/>
+                      </p:stCondLst>
+                      <p:childTnLst>
+                        <p:par>
+                          <p:cTn id="4" fill="hold">
+                            <p:stCondLst>
+                              <p:cond delay="0"/>
+                            </p:stCondLst>
+                            <p:childTnLst>
+                              <p:par>
+                                <p:cTn id="5" presetID="26" presetClass="entr" presetSubtype="0" fill="hold" grpId="0" nodeType="clickEffect">
+                                  <p:stCondLst>
+                                    <p:cond delay="0"/>
+                                  </p:stCondLst>
+                                  <p:childTnLst>
+                                    <p:set>
+                                      <p:cBhvr>
+                                        <p:cTn id="6" dur="1" fill="hold">
+                                          <p:stCondLst>
+                                            <p:cond delay="0"/>
+                                          </p:stCondLst>
+                                        </p:cTn>
+                                        <p:tgtEl>
+                                          <p:spTgt spid="2"/>
+                                        </p:tgtEl>
+                                        <p:attrNameLst>
+                                          <p:attrName>style.visibility</p:attrName>
+                                        </p:attrNameLst>
+                                      </p:cBhvr>
+                                      <p:to>
+                                        <p:strVal val="visible"/>
+                                      </p:to>
+                                    </p:set>
+                                    <p:animEffect transition="in" filter="wipe(down)">
+                                      <p:cBhvr>
+                                        <p:cTn id="7" dur="290">
+                                          <p:stCondLst>
+                                            <p:cond delay="0"/>
+                                          </p:stCondLst>
+                                        </p:cTn>
+                                        <p:tgtEl>
+                                          <p:spTgt spid="2"/>
+                                        </p:tgtEl>
+                                      </p:cBhvr>
+                                    </p:animEffect>
+                                    <p:anim calcmode="lin" valueType="num">
+                                      <p:cBhvr>
+                                        <p:cTn id="8" dur="911" tmFilter="0,0; 0.14,0.36; 0.43,0.73; 0.71,0.91; 1.0,1.0">
+                                          <p:stCondLst>
+                                            <p:cond delay="0"/>
+                                          </p:stCondLst>
+                                        </p:cTn>
+                                        <p:tgtEl>
+                                          <p:spTgt spid="2"/>
+                                        </p:tgtEl>
+                                        <p:attrNameLst>
+                                          <p:attrName>ppt_x</p:attrName>
+                                        </p:attrNameLst>
+                                      </p:cBhvr>
+                                      <p:tavLst>
+                                        <p:tav tm="0">
+                                          <p:val>
+                                            <p:strVal val="#ppt_x-0.25"/>
+                                          </p:val>
+                                        </p:tav>
+                                        <p:tav tm="100000">
+                                          <p:val>
+                                            <p:strVal val="#ppt_x"/>
+                                          </p:val>
+                                        </p:tav>
+                                      </p:tavLst>
+                                    </p:anim>
+                                    <p:anim calcmode="lin" valueType="num">
+                                      <p:cBhvr>
+                                        <p:cTn id="9" dur="332" tmFilter="0.0,0.0; 0.25,0.07; 0.50,0.2; 0.75,0.467; 1.0,1.0">
+                                          <p:stCondLst>
+                                            <p:cond delay="0"/>
+                                          </p:stCondLst>
+                                        </p:cTn>
+                                        <p:tgtEl>
+                                          <p:spTgt spid="2"/>
+                                        </p:tgtEl>
+                                        <p:attrNameLst>
+                                          <p:attrName>ppt_y</p:attrName>
+                                        </p:attrNameLst>
+                                      </p:cBhvr>
+                                      <p:tavLst>
+                                        <p:tav tm="0" fmla="#ppt_y-sin(pi*$)/3">
+                                          <p:val>
+                                            <p:fltVal val="0.5"/>
+                                          </p:val>
+                                        </p:tav>
+                                        <p:tav tm="100000">
+                                          <p:val>
+                                            <p:fltVal val="1"/>
+                                          </p:val>
+                                        </p:tav>
+                                      </p:tavLst>
+                                    </p:anim>
+                                    <p:anim calcmode="lin" valueType="num">
+                                      <p:cBhvr>
+                                        <p:cTn id="10" dur="332" tmFilter="0, 0; 0.125,0.2665; 0.25,0.4; 0.375,0.465; 0.5,0.5;  0.625,0.535; 0.75,0.6; 0.875,0.7335; 1,1">
+                                          <p:stCondLst>
+                                            <p:cond delay="332"/>
+                                          </p:stCondLst>
+                                        </p:cTn>
+                                        <p:tgtEl>
+                                          <p:spTgt spid="2"/>
+                                        </p:tgtEl>
+                                        <p:attrNameLst>
+                                          <p:attrName>ppt_y</p:attrName>
+                                        </p:attrNameLst>
+                                      </p:cBhvr>
+                                      <p:tavLst>
+                                        <p:tav tm="0" fmla="#ppt_y-sin(pi*$)/9">
+                                          <p:val>
+                                            <p:fltVal val="0"/>
+                                          </p:val>
+                                        </p:tav>
+                                        <p:tav tm="100000">
+                                          <p:val>
+                                            <p:fltVal val="1"/>
+                                          </p:val>
+                                        </p:tav>
+                                      </p:tavLst>
+                                    </p:anim>
+                                    <p:anim calcmode="lin" valueType="num">
+                                      <p:cBhvr>
+                                        <p:cTn id="11" dur="166" tmFilter="0, 0; 0.125,0.2665; 0.25,0.4; 0.375,0.465; 0.5,0.5;  0.625,0.535; 0.75,0.6; 0.875,0.7335; 1,1">
+                                          <p:stCondLst>
+                                            <p:cond delay="662"/>
+                                          </p:stCondLst>
+                                        </p:cTn>
+                                        <p:tgtEl>
+                                          <p:spTgt spid="2"/>
+                                        </p:tgtEl>
+                                        <p:attrNameLst>
+                                          <p:attrName>ppt_y</p:attrName>
+                                        </p:attrNameLst>
+                                      </p:cBhvr>
+                                      <p:tavLst>
+                                        <p:tav tm="0" fmla="#ppt_y-sin(pi*$)/27">
+                                          <p:val>
+                                            <p:fltVal val="0"/>
+                                          </p:val>
+                                        </p:tav>
+                                        <p:tav tm="100000">
+                                          <p:val>
+                                            <p:fltVal val="1"/>
+                                          </p:val>
+                                        </p:tav>
+                                      </p:tavLst>
+                                    </p:anim>
+                                    <p:anim calcmode="lin" valueType="num">
+                                      <p:cBhvr>
+                                        <p:cTn id="12" dur="82" tmFilter="0, 0; 0.125,0.2665; 0.25,0.4; 0.375,0.465; 0.5,0.5;  0.625,0.535; 0.75,0.6; 0.875,0.7335; 1,1">
+                                          <p:stCondLst>
+                                            <p:cond delay="828"/>
+                                          </p:stCondLst>
+                                        </p:cTn>
+                                        <p:tgtEl>
+                                          <p:spTgt spid="2"/>
+                                        </p:tgtEl>
+                                        <p:attrNameLst>
+                                          <p:attrName>ppt_y</p:attrName>
+                                        </p:attrNameLst>
+                                      </p:cBhvr>
+                                      <p:tavLst>
+                                        <p:tav tm="0" fmla="#ppt_y-sin(pi*$)/81">
+                                          <p:val>
+                                            <p:fltVal val="0"/>
+                                          </p:val>
+                                        </p:tav>
+                                        <p:tav tm="100000">
+                                          <p:val>
+                                            <p:fltVal val="1"/>
+                                          </p:val>
+                                        </p:tav>
+                                      </p:tavLst>
+                                    </p:anim>
+                                    <p:animScale>
+                                      <p:cBhvr>
+                                        <p:cTn id="13" dur="13">
+                                          <p:stCondLst>
+                                            <p:cond delay="325"/>
+                                          </p:stCondLst>
+                                        </p:cTn>
+                                        <p:tgtEl>
+                                          <p:spTgt spid="2"/>
+                                        </p:tgtEl>
+                                      </p:cBhvr>
+                                      <p:to x="100000" y="60000"/>
+                                    </p:animScale>
+                                    <p:animScale>
+                                      <p:cBhvr>
+                                        <p:cTn id="14" dur="83" decel="50000">
+                                          <p:stCondLst>
+                                            <p:cond delay="338"/>
+                                          </p:stCondLst>
+                                        </p:cTn>
+                                        <p:tgtEl>
+                                          <p:spTgt spid="2"/>
+                                        </p:tgtEl>
+                                      </p:cBhvr>
+                                      <p:to x="100000" y="100000"/>
+                                    </p:animScale>
+                                    <p:animScale>
+                                      <p:cBhvr>
+                                        <p:cTn id="15" dur="13">
+                                          <p:stCondLst>
+                                            <p:cond delay="656"/>
+                                          </p:stCondLst>
+                                        </p:cTn>
+                                        <p:tgtEl>
+                                          <p:spTgt spid="2"/>
+                                        </p:tgtEl>
+                                      </p:cBhvr>
+                                      <p:to x="100000" y="80000"/>
+                                    </p:animScale>
+                                    <p:animScale>
+                                      <p:cBhvr>
+                                        <p:cTn id="16" dur="83" decel="50000">
+                                          <p:stCondLst>
+                                            <p:cond delay="669"/>
+                                          </p:stCondLst>
+                                        </p:cTn>
+                                        <p:tgtEl>
+                                          <p:spTgt spid="2"/>
+                                        </p:tgtEl>
+                                      </p:cBhvr>
+                                      <p:to x="100000" y="100000"/>
+                                    </p:animScale>
+                                    <p:animScale>
+                                      <p:cBhvr>
+                                        <p:cTn id="17" dur="13">
+                                          <p:stCondLst>
+                                            <p:cond delay="821"/>
+                                          </p:stCondLst>
+                                        </p:cTn>
+                                        <p:tgtEl>
+                                          <p:spTgt spid="2"/>
+                                        </p:tgtEl>
+                                      </p:cBhvr>
+                                      <p:to x="100000" y="90000"/>
+                                    </p:animScale>
+                                    <p:animScale>
+                                      <p:cBhvr>
+                                        <p:cTn id="18" dur="83" decel="50000">
+                                          <p:stCondLst>
+                                            <p:cond delay="834"/>
+                                          </p:stCondLst>
+                                        </p:cTn>
+                                        <p:tgtEl>
+                                          <p:spTgt spid="2"/>
+                                        </p:tgtEl>
+                                      </p:cBhvr>
+                                      <p:to x="100000" y="100000"/>
+                                    </p:animScale>
+                                    <p:animScale>
+                                      <p:cBhvr>
+                                        <p:cTn id="19" dur="13">
+                                          <p:stCondLst>
+                                            <p:cond delay="904"/>
+                                          </p:stCondLst>
+                                        </p:cTn>
+                                        <p:tgtEl>
+                                          <p:spTgt spid="2"/>
+                                        </p:tgtEl>
+                                      </p:cBhvr>
+                                      <p:to x="100000" y="95000"/>
+                                    </p:animScale>
+                                    <p:animScale>
+                                      <p:cBhvr>
+                                        <p:cTn id="20" dur="83" decel="50000">
+                                          <p:stCondLst>
+                                            <p:cond delay="917"/>
+                                          </p:stCondLst>
+                                        </p:cTn>
+                                        <p:tgtEl>
+                                          <p:spTgt spid="2"/>
+                                        </p:tgtEl>
+                                      </p:cBhvr>
+                                      <p:to x="100000" y="100000"/>
+                                    </p:animScale>
+                                  </p:childTnLst>
+                                </p:cTn>
+                              </p:par>
+                            </p:childTnLst>
+                          </p:cTn>
+                        </p:par>
+                      </p:childTnLst>
+                    </p:cTn>
+                  </p:par>
+                  <p:par>
+                    <p:cTn id="21" fill="hold">
+                      <p:stCondLst>
+                        <p:cond delay="indefinite"/>
+                      </p:stCondLst>
+                      <p:childTnLst>
+                        <p:par>
+                          <p:cTn id="22" fill="hold">
+                            <p:stCondLst>
+                              <p:cond delay="0"/>
+                            </p:stCondLst>
+                            <p:childTnLst>
+                              <p:par>
+                                <p:cTn id="23" presetID="16" presetClass="entr" presetSubtype="21" fill="hold" nodeType="clickEffect">
+                                  <p:stCondLst>
+                                    <p:cond delay="0"/>
+                                  </p:stCondLst>
+                                  <p:childTnLst>
+                                    <p:set>
+                                      <p:cBhvr>
+                                        <p:cTn id="24" dur="1" fill="hold">
+                                          <p:stCondLst>
+                                            <p:cond delay="0"/>
+                                          </p:stCondLst>
+                                        </p:cTn>
+                                        <p:tgtEl>
+                                          <p:spTgt spid="3">
+                                            <p:txEl>
+                                              <p:pRg st="0" end="0"/>
+                                            </p:txEl>
+                                          </p:spTgt>
+                                        </p:tgtEl>
+                                        <p:attrNameLst>
+                                          <p:attrName>style.visibility</p:attrName>
+                                        </p:attrNameLst>
+                                      </p:cBhvr>
+                                      <p:to>
+                                        <p:strVal val="visible"/>
+                                      </p:to>
+                                    </p:set>
+                                    <p:animEffect transition="in" filter="barn(inVertical)">
+                                      <p:cBhvr>
+                                        <p:cTn id="25" dur="500"/>
+                                        <p:tgtEl>
+                                          <p:spTgt spid="3">
+                                            <p:txEl>
+                                              <p:pRg st="0" end="0"/>
+                                            </p:txEl>
+                                          </p:spTgt>
+                                        </p:tgtEl>
+                                      </p:cBhvr>
+                                    </p:animEffect>
+                                  </p:childTnLst>
+                                </p:cTn>
+                              </p:par>
+                            </p:childTnLst>
+                          </p:cTn>
+                        </p:par>
+                        <p:par>
+                          <p:cTn id="26" fill="hold">
+                            <p:stCondLst>
+                              <p:cond delay="500"/>
+                            </p:stCondLst>
+                            <p:childTnLst>
+                              <p:par>
+                                <p:cTn id="27" presetID="16" presetClass="entr" presetSubtype="21" fill="hold" nodeType="afterEffect">
+                                  <p:stCondLst>
+                                    <p:cond delay="0"/>
+                                  </p:stCondLst>
+                                  <p:childTnLst>
+                                    <p:set>
+                                      <p:cBhvr>
+                                        <p:cTn id="28" dur="1" fill="hold">
+                                          <p:stCondLst>
+                                            <p:cond delay="0"/>
+                                          </p:stCondLst>
+                                        </p:cTn>
+                                        <p:tgtEl>
+                                          <p:spTgt spid="3">
+                                            <p:txEl>
+                                              <p:pRg st="1" end="1"/>
+                                            </p:txEl>
+                                          </p:spTgt>
+                                        </p:tgtEl>
+                                        <p:attrNameLst>
+                                          <p:attrName>style.visibility</p:attrName>
+                                        </p:attrNameLst>
+                                      </p:cBhvr>
+                                      <p:to>
+                                        <p:strVal val="visible"/>
+                                      </p:to>
+                                    </p:set>
+                                    <p:animEffect transition="in" filter="barn(inVertical)">
+                                      <p:cBhvr>
+                                        <p:cTn id="29" dur="500"/>
+                                        <p:tgtEl>
+                                          <p:spTgt spid="3">
+                                            <p:txEl>
+                                              <p:pRg st="1" end="1"/>
+                                            </p:txEl>
+                                          </p:spTgt>
+                                        </p:tgtEl>
+                                      </p:cBhvr>
+                                    </p:animEffect>
+                                  </p:childTnLst>
+                                </p:cTn>
+                              </p:par>
+                            </p:childTnLst>
+                          </p:cTn>
+                        </p:par>
+                        <p:par>
+                          <p:cTn id="30" fill="hold">
+                            <p:stCondLst>
+                              <p:cond delay="1000"/>
+                            </p:stCondLst>
+                            <p:childTnLst>
+                              <p:par>
+                                <p:cTn id="31" presetID="16" presetClass="entr" presetSubtype="21" fill="hold" nodeType="afterEffect">
+                                  <p:stCondLst>
+                                    <p:cond delay="0"/>
+                                  </p:stCondLst>
+                                  <p:childTnLst>
+                                    <p:set>
+                                      <p:cBhvr>
+                                        <p:cTn id="32" dur="1" fill="hold">
+                                          <p:stCondLst>
+                                            <p:cond delay="0"/>
+                                          </p:stCondLst>
+                                        </p:cTn>
+                                        <p:tgtEl>
+                                          <p:spTgt spid="3">
+                                            <p:txEl>
+                                              <p:pRg st="2" end="2"/>
+                                            </p:txEl>
+                                          </p:spTgt>
+                                        </p:tgtEl>
+                                        <p:attrNameLst>
+                                          <p:attrName>style.visibility</p:attrName>
+                                        </p:attrNameLst>
+                                      </p:cBhvr>
+                                      <p:to>
+                                        <p:strVal val="visible"/>
+                                      </p:to>
+                                    </p:set>
+                                    <p:animEffect transition="in" filter="barn(inVertical)">
+                                      <p:cBhvr>
+                                        <p:cTn id="33" dur="500"/>
+                                        <p:tgtEl>
+                                          <p:spTgt spid="3">
+                                            <p:txEl>
+                                              <p:pRg st="2" end="2"/>
+                                            </p:txEl>
+                                          </p:spTgt>
+                                        </p:tgtEl>
+                                      </p:cBhvr>
+                                    </p:animEffect>
+                                  </p:childTnLst>
+                                </p:cTn>
+                              </p:par>
+                            </p:childTnLst>
+                          </p:cTn>
+                        </p:par>
+                        <p:par>
+                          <p:cTn id="34" fill="hold">
+                            <p:stCondLst>
+                              <p:cond delay="1500"/>
+                            </p:stCondLst>
+                            <p:childTnLst>
+                              <p:par>
+                                <p:cTn id="35" presetID="16" presetClass="entr" presetSubtype="21" fill="hold" nodeType="afterEffect">
+                                  <p:stCondLst>
+                                    <p:cond delay="0"/>
+                                  </p:stCondLst>
+                                  <p:childTnLst>
+                                    <p:set>
+                                      <p:cBhvr>
+                                        <p:cTn id="36" dur="1" fill="hold">
+                                          <p:stCondLst>
+                                            <p:cond delay="0"/>
+                                          </p:stCondLst>
+                                        </p:cTn>
+                                        <p:tgtEl>
+                                          <p:spTgt spid="3">
+                                            <p:txEl>
+                                              <p:pRg st="3" end="3"/>
+                                            </p:txEl>
+                                          </p:spTgt>
+                                        </p:tgtEl>
+                                        <p:attrNameLst>
+                                          <p:attrName>style.visibility</p:attrName>
+                                        </p:attrNameLst>
+                                      </p:cBhvr>
+                                      <p:to>
+                                        <p:strVal val="visible"/>
+                                      </p:to>
+                                    </p:set>
+                                    <p:animEffect transition="in" filter="barn(inVertical)">
+                                      <p:cBhvr>
+                                        <p:cTn id="37" dur="500"/>
+                                        <p:tgtEl>
+                                          <p:spTgt spid="3">
+                                            <p:txEl>
+                                              <p:pRg st="3" end="3"/>
+                                            </p:txEl>
+                                          </p:spTgt>
+                                        </p:tgtEl>
+                                      </p:cBhvr>
+                                    </p:animEffect>
+                                  </p:childTnLst>
+                                </p:cTn>
+                              </p:par>
+                            </p:childTnLst>
+                          </p:cTn>
+                        </p:par>
+                      </p:childTnLst>
+                    </p:cTn>
+                  </p:par>
+                </p:childTnLst>
+              </p:cTn>
+              <p:prevCondLst>
+                <p:cond evt="onPrev" delay="0">
+                  <p:tgtEl>
+                    <p:sldTgt/>
+                  </p:tgtEl>
+                </p:cond>
+              </p:prevCondLst>
+              <p:nextCondLst>
+                <p:cond evt="onNext" delay="0">
+                  <p:tgtEl>
+                    <p:sldTgt/>
+                  </p:tgtEl>
+                </p:cond>
+              </p:nextCondLst>
+            </p:seq>
+          </p:childTnLst>
+        </p:cTn>
+      </p:par>
+    </p:tnLst>
+    <p:bldLst>
+      <p:bldP spid="2" grpId="0"/>
+    </p:bldLst>
+  </p:timing>
+</p:sld>
+</file>
+
+<file path=ppt/slides/slide3.xml><?xml version="1.0" encoding="utf-8"?>
+<p:sld xmlns:a="http://schemas.openxmlformats.org/drawingml/2006/main" xmlns:r="http://schemas.openxmlformats.org/officeDocument/2006/relationships" xmlns:p="http://schemas.openxmlformats.org/presentationml/2006/main">
+  <p:cSld>
+    <p:spTree>
+      <p:nvGrpSpPr>
+        <p:cNvPr id="1" name=""/>
+        <p:cNvGrpSpPr/>
+        <p:nvPr/>
+      </p:nvGrpSpPr>
+      <p:grpSpPr>
+        <a:xfrm>
+          <a:off x="0" y="0"/>
+          <a:ext cx="0" cy="0"/>
+          <a:chOff x="0" y="0"/>
+          <a:chExt cx="0" cy="0"/>
+        </a:xfrm>
+      </p:grpSpPr>
+      <p:sp>
+        <p:nvSpPr>
+          <p:cNvPr id="2" name="Title 1"/>
+          <p:cNvSpPr>
+            <a:spLocks noGrp="1"/>
+          </p:cNvSpPr>
+          <p:nvPr>
+            <p:ph type="title"/>
+          </p:nvPr>
+        </p:nvSpPr>
+        <p:spPr/>
+        <p:txBody>
+          <a:bodyPr/>
+          <a:lstStyle/>
+          <a:p>
+            <a:r>
+              <a:rPr lang="en-US" sz="4000" b="1" dirty="0"/>
+              <a:t>I. </a:t>
+            </a:r>
+            <a:r>
+              <a:rPr lang="en-US" sz="4000" b="1" dirty="0"/>
+              <a:t>Token-Based Authentication</a:t>
+            </a:r>
+            <a:r>
+              <a:rPr lang="en-US" dirty="0"/>
+              <a:t/>
+            </a:r>
+            <a:br>
+              <a:rPr lang="en-US" dirty="0"/>
+            </a:br>
+            <a:endParaRPr lang="en-US" dirty="0"/>
+          </a:p>
+        </p:txBody>
+      </p:sp>
+      <p:sp>
+        <p:nvSpPr>
+          <p:cNvPr id="3" name="Content Placeholder 2"/>
+          <p:cNvSpPr>
+            <a:spLocks noGrp="1"/>
+          </p:cNvSpPr>
+          <p:nvPr>
+            <p:ph idx="1"/>
+          </p:nvPr>
+        </p:nvSpPr>
+        <p:spPr/>
+        <p:txBody>
+          <a:bodyPr>
+            <a:normAutofit/>
+          </a:bodyPr>
+          <a:lstStyle/>
+          <a:p>
+            <a:r>
+              <a:rPr lang="en-US" sz="3200" dirty="0" smtClean="0"/>
+              <a:t>1. </a:t>
+            </a:r>
+            <a:r>
+              <a:rPr lang="en-US" sz="3200" b="1" dirty="0" smtClean="0"/>
+              <a:t>What is </a:t>
+            </a:r>
+            <a:r>
+              <a:rPr lang="en-US" sz="3200" b="1" dirty="0"/>
+              <a:t>token-based </a:t>
+            </a:r>
+            <a:r>
+              <a:rPr lang="en-US" sz="3200" b="1" dirty="0" smtClean="0"/>
+              <a:t>authentication?</a:t>
+            </a:r>
+          </a:p>
+          <a:p>
+            <a:r>
+              <a:rPr lang="en-US" sz="3200" dirty="0" smtClean="0"/>
+              <a:t>2. </a:t>
+            </a:r>
+            <a:r>
+              <a:rPr lang="en-US" sz="3200" b="1" dirty="0" smtClean="0"/>
+              <a:t>Pros and cons</a:t>
+            </a:r>
+          </a:p>
+          <a:p>
+            <a:r>
+              <a:rPr lang="en-US" sz="3200" dirty="0" smtClean="0"/>
+              <a:t>3. </a:t>
+            </a:r>
+            <a:r>
+              <a:rPr lang="en-US" sz="3200" b="1" dirty="0"/>
+              <a:t>How Token-Based Authentication </a:t>
+            </a:r>
+            <a:r>
+              <a:rPr lang="en-US" sz="3200" b="1" dirty="0" smtClean="0"/>
+              <a:t>Works</a:t>
+            </a:r>
+            <a:endParaRPr lang="en-US" sz="3200" dirty="0"/>
+          </a:p>
+        </p:txBody>
+      </p:sp>
+    </p:spTree>
+    <p:extLst>
+      <p:ext uri="{BB962C8B-B14F-4D97-AF65-F5344CB8AC3E}">
+        <p14:creationId xmlns:p14="http://schemas.microsoft.com/office/powerpoint/2010/main" val="181027808"/>
+      </p:ext>
+    </p:extLst>
+  </p:cSld>
+  <p:clrMapOvr>
+    <a:masterClrMapping/>
+  </p:clrMapOvr>
+  <p:timing>
+    <p:tnLst>
+      <p:par>
+        <p:cTn id="1" dur="indefinite" restart="never" nodeType="tmRoot">
+          <p:childTnLst>
+            <p:seq concurrent="1" nextAc="seek">
+              <p:cTn id="2" dur="indefinite" nodeType="mainSeq">
+                <p:childTnLst>
+                  <p:par>
+                    <p:cTn id="3" fill="hold">
+                      <p:stCondLst>
+                        <p:cond delay="indefinite"/>
+                      </p:stCondLst>
+                      <p:childTnLst>
+                        <p:par>
+                          <p:cTn id="4" fill="hold">
+                            <p:stCondLst>
+                              <p:cond delay="0"/>
+                            </p:stCondLst>
+                            <p:childTnLst>
+                              <p:par>
+                                <p:cTn id="5" presetID="6" presetClass="entr" presetSubtype="16" fill="hold" grpId="0" nodeType="clickEffect">
+                                  <p:stCondLst>
+                                    <p:cond delay="0"/>
+                                  </p:stCondLst>
+                                  <p:childTnLst>
+                                    <p:set>
+                                      <p:cBhvr>
+                                        <p:cTn id="6" dur="1" fill="hold">
+                                          <p:stCondLst>
+                                            <p:cond delay="0"/>
+                                          </p:stCondLst>
+                                        </p:cTn>
+                                        <p:tgtEl>
+                                          <p:spTgt spid="3">
+                                            <p:txEl>
+                                              <p:pRg st="0" end="0"/>
+                                            </p:txEl>
+                                          </p:spTgt>
+                                        </p:tgtEl>
+                                        <p:attrNameLst>
+                                          <p:attrName>style.visibility</p:attrName>
+                                        </p:attrNameLst>
+                                      </p:cBhvr>
+                                      <p:to>
+                                        <p:strVal val="visible"/>
+                                      </p:to>
+                                    </p:set>
+                                    <p:animEffect transition="in" filter="circle(in)">
+                                      <p:cBhvr>
+                                        <p:cTn id="7" dur="1000"/>
+                                        <p:tgtEl>
+                                          <p:spTgt spid="3">
+                                            <p:txEl>
+                                              <p:pRg st="0" end="0"/>
+                                            </p:txEl>
+                                          </p:spTgt>
+                                        </p:tgtEl>
+                                      </p:cBhvr>
+                                    </p:animEffect>
+                                  </p:childTnLst>
+                                </p:cTn>
+                              </p:par>
+                            </p:childTnLst>
+                          </p:cTn>
+                        </p:par>
+                      </p:childTnLst>
+                    </p:cTn>
+                  </p:par>
+                  <p:par>
+                    <p:cTn id="8" fill="hold">
+                      <p:stCondLst>
+                        <p:cond delay="indefinite"/>
+                      </p:stCondLst>
+                      <p:childTnLst>
+                        <p:par>
+                          <p:cTn id="9" fill="hold">
+                            <p:stCondLst>
+                              <p:cond delay="0"/>
+                            </p:stCondLst>
+                            <p:childTnLst>
+                              <p:par>
+                                <p:cTn id="10" presetID="6" presetClass="entr" presetSubtype="16" fill="hold" grpId="0" nodeType="clickEffect">
+                                  <p:stCondLst>
+                                    <p:cond delay="0"/>
+                                  </p:stCondLst>
+                                  <p:childTnLst>
+                                    <p:set>
+                                      <p:cBhvr>
+                                        <p:cTn id="11" dur="1" fill="hold">
+                                          <p:stCondLst>
+                                            <p:cond delay="0"/>
+                                          </p:stCondLst>
+                                        </p:cTn>
+                                        <p:tgtEl>
+                                          <p:spTgt spid="3">
+                                            <p:txEl>
+                                              <p:pRg st="1" end="1"/>
+                                            </p:txEl>
+                                          </p:spTgt>
+                                        </p:tgtEl>
+                                        <p:attrNameLst>
+                                          <p:attrName>style.visibility</p:attrName>
+                                        </p:attrNameLst>
+                                      </p:cBhvr>
+                                      <p:to>
+                                        <p:strVal val="visible"/>
+                                      </p:to>
+                                    </p:set>
+                                    <p:animEffect transition="in" filter="circle(in)">
+                                      <p:cBhvr>
+                                        <p:cTn id="12" dur="1000"/>
+                                        <p:tgtEl>
+                                          <p:spTgt spid="3">
+                                            <p:txEl>
+                                              <p:pRg st="1" end="1"/>
+                                            </p:txEl>
+                                          </p:spTgt>
+                                        </p:tgtEl>
+                                      </p:cBhvr>
+                                    </p:animEffect>
+                                  </p:childTnLst>
+                                </p:cTn>
+                              </p:par>
+                            </p:childTnLst>
+                          </p:cTn>
+                        </p:par>
+                      </p:childTnLst>
+                    </p:cTn>
+                  </p:par>
+                  <p:par>
+                    <p:cTn id="13" fill="hold">
+                      <p:stCondLst>
+                        <p:cond delay="indefinite"/>
+                      </p:stCondLst>
+                      <p:childTnLst>
+                        <p:par>
+                          <p:cTn id="14" fill="hold">
+                            <p:stCondLst>
+                              <p:cond delay="0"/>
+                            </p:stCondLst>
+                            <p:childTnLst>
+                              <p:par>
+                                <p:cTn id="15" presetID="6" presetClass="entr" presetSubtype="16" fill="hold" grpId="0" nodeType="clickEffect">
+                                  <p:stCondLst>
+                                    <p:cond delay="0"/>
+                                  </p:stCondLst>
+                                  <p:childTnLst>
+                                    <p:set>
+                                      <p:cBhvr>
+                                        <p:cTn id="16" dur="1" fill="hold">
+                                          <p:stCondLst>
+                                            <p:cond delay="0"/>
+                                          </p:stCondLst>
+                                        </p:cTn>
+                                        <p:tgtEl>
+                                          <p:spTgt spid="3">
+                                            <p:txEl>
+                                              <p:pRg st="2" end="2"/>
+                                            </p:txEl>
+                                          </p:spTgt>
+                                        </p:tgtEl>
+                                        <p:attrNameLst>
+                                          <p:attrName>style.visibility</p:attrName>
+                                        </p:attrNameLst>
+                                      </p:cBhvr>
+                                      <p:to>
+                                        <p:strVal val="visible"/>
+                                      </p:to>
+                                    </p:set>
+                                    <p:animEffect transition="in" filter="circle(in)">
+                                      <p:cBhvr>
+                                        <p:cTn id="17" dur="1000"/>
+                                        <p:tgtEl>
+                                          <p:spTgt spid="3">
+                                            <p:txEl>
+                                              <p:pRg st="2" end="2"/>
+                                            </p:txEl>
+                                          </p:spTgt>
+                                        </p:tgtEl>
+                                      </p:cBhvr>
+                                    </p:animEffect>
+                                  </p:childTnLst>
+                                </p:cTn>
+                              </p:par>
+                            </p:childTnLst>
+                          </p:cTn>
+                        </p:par>
+                      </p:childTnLst>
+                    </p:cTn>
+                  </p:par>
+                </p:childTnLst>
+              </p:cTn>
+              <p:prevCondLst>
+                <p:cond evt="onPrev" delay="0">
+                  <p:tgtEl>
+                    <p:sldTgt/>
+                  </p:tgtEl>
+                </p:cond>
+              </p:prevCondLst>
+              <p:nextCondLst>
+                <p:cond evt="onNext" delay="0">
+                  <p:tgtEl>
+                    <p:sldTgt/>
+                  </p:tgtEl>
+                </p:cond>
+              </p:nextCondLst>
+            </p:seq>
+          </p:childTnLst>
+        </p:cTn>
+      </p:par>
+    </p:tnLst>
+    <p:bldLst>
+      <p:bldP spid="3" grpId="0" uiExpand="1" build="p"/>
+    </p:bldLst>
+  </p:timing>
+</p:sld>
+</file>
+
+<file path=ppt/slides/slide4.xml><?xml version="1.0" encoding="utf-8"?>
+<p:sld xmlns:a="http://schemas.openxmlformats.org/drawingml/2006/main" xmlns:r="http://schemas.openxmlformats.org/officeDocument/2006/relationships" xmlns:p="http://schemas.openxmlformats.org/presentationml/2006/main">
+  <p:cSld>
+    <p:spTree>
+      <p:nvGrpSpPr>
+        <p:cNvPr id="1" name=""/>
+        <p:cNvGrpSpPr/>
+        <p:nvPr/>
+      </p:nvGrpSpPr>
+      <p:grpSpPr>
+        <a:xfrm>
+          <a:off x="0" y="0"/>
+          <a:ext cx="0" cy="0"/>
+          <a:chOff x="0" y="0"/>
+          <a:chExt cx="0" cy="0"/>
+        </a:xfrm>
+      </p:grpSpPr>
+      <p:sp>
+        <p:nvSpPr>
+          <p:cNvPr id="2" name="Title 1"/>
+          <p:cNvSpPr>
+            <a:spLocks noGrp="1"/>
+          </p:cNvSpPr>
+          <p:nvPr>
+            <p:ph type="title"/>
+          </p:nvPr>
+        </p:nvSpPr>
+        <p:spPr/>
+        <p:txBody>
+          <a:bodyPr>
+            <a:normAutofit fontScale="90000"/>
+          </a:bodyPr>
+          <a:lstStyle/>
+          <a:p>
+            <a:r>
+              <a:rPr lang="en-US" b="1" dirty="0">
+                <a:solidFill>
+                  <a:srgbClr val="0070C0"/>
+                </a:solidFill>
+              </a:rPr>
+              <a:t>I. Token-Based </a:t>
+            </a:r>
+            <a:r>
+              <a:rPr lang="en-US" b="1" dirty="0" smtClean="0">
+                <a:solidFill>
+                  <a:srgbClr val="0070C0"/>
+                </a:solidFill>
+              </a:rPr>
+              <a:t>Authentication</a:t>
+            </a:r>
+            <a:r>
+              <a:rPr lang="en-US" b="1" dirty="0" smtClean="0"/>
+              <a:t/>
+            </a:r>
+            <a:br>
+              <a:rPr lang="en-US" b="1" dirty="0" smtClean="0"/>
+            </a:br>
+            <a:r>
+              <a:rPr lang="en-US" sz="2700" b="1" dirty="0" smtClean="0">
+                <a:solidFill>
+                  <a:srgbClr val="00B0F0"/>
+                </a:solidFill>
+              </a:rPr>
+              <a:t>1. </a:t>
+            </a:r>
+            <a:r>
+              <a:rPr lang="en-US" sz="2700" b="1" dirty="0">
+                <a:solidFill>
+                  <a:srgbClr val="00B0F0"/>
+                </a:solidFill>
+              </a:rPr>
+              <a:t>What is token-based authentication?</a:t>
+            </a:r>
+            <a:r>
+              <a:rPr lang="en-US" b="1" dirty="0"/>
+              <a:t/>
+            </a:r>
+            <a:br>
+              <a:rPr lang="en-US" b="1" dirty="0"/>
+            </a:br>
+            <a:endParaRPr lang="en-US" dirty="0"/>
+          </a:p>
+        </p:txBody>
+      </p:sp>
+      <p:sp>
+        <p:nvSpPr>
+          <p:cNvPr id="3" name="Content Placeholder 2"/>
+          <p:cNvSpPr>
+            <a:spLocks noGrp="1"/>
+          </p:cNvSpPr>
+          <p:nvPr>
+            <p:ph idx="1"/>
+          </p:nvPr>
+        </p:nvSpPr>
+        <p:spPr/>
+        <p:txBody>
+          <a:bodyPr/>
+          <a:lstStyle/>
+          <a:p>
+            <a:r>
+              <a:rPr lang="en-US" sz="2400" dirty="0"/>
+              <a:t> Allow users to enter their username and password in order to obtain a token which allows them to fetch a specific resource - without using their username and password. </a:t>
+            </a:r>
+            <a:endParaRPr lang="en-US" sz="2400" dirty="0" smtClean="0"/>
+          </a:p>
+          <a:p>
+            <a:r>
+              <a:rPr lang="en-US" sz="2400" dirty="0" smtClean="0"/>
+              <a:t>Once </a:t>
+            </a:r>
+            <a:r>
+              <a:rPr lang="en-US" sz="2400" dirty="0"/>
+              <a:t>their token has been obtained, the user can offer the token - which offers access to a specific resource for a time period - to the remote site.</a:t>
+            </a:r>
+            <a:endParaRPr lang="en-US" sz="2400" dirty="0"/>
+          </a:p>
+        </p:txBody>
+      </p:sp>
+    </p:spTree>
+    <p:extLst>
+      <p:ext uri="{BB962C8B-B14F-4D97-AF65-F5344CB8AC3E}">
+        <p14:creationId xmlns:p14="http://schemas.microsoft.com/office/powerpoint/2010/main" val="896321603"/>
+      </p:ext>
+    </p:extLst>
+  </p:cSld>
+  <p:clrMapOvr>
+    <a:masterClrMapping/>
+  </p:clrMapOvr>
+  <p:timing>
+    <p:tnLst>
+      <p:par>
+        <p:cTn id="1" dur="indefinite" restart="never" nodeType="tmRoot">
+          <p:childTnLst>
+            <p:seq concurrent="1" nextAc="seek">
+              <p:cTn id="2" dur="indefinite" nodeType="mainSeq">
+                <p:childTnLst>
+                  <p:par>
+                    <p:cTn id="3" fill="hold">
+                      <p:stCondLst>
+                        <p:cond delay="indefinite"/>
+                      </p:stCondLst>
+                      <p:childTnLst>
+                        <p:par>
+                          <p:cTn id="4" fill="hold">
+                            <p:stCondLst>
+                              <p:cond delay="0"/>
+                            </p:stCondLst>
+                            <p:childTnLst>
+                              <p:par>
+                                <p:cTn id="5" presetID="31" presetClass="entr" presetSubtype="0" fill="hold" nodeType="clickEffect">
+                                  <p:stCondLst>
+                                    <p:cond delay="0"/>
+                                  </p:stCondLst>
+                                  <p:childTnLst>
+                                    <p:set>
+                                      <p:cBhvr>
+                                        <p:cTn id="6" dur="1" fill="hold">
+                                          <p:stCondLst>
+                                            <p:cond delay="0"/>
+                                          </p:stCondLst>
+                                        </p:cTn>
+                                        <p:tgtEl>
+                                          <p:spTgt spid="3">
+                                            <p:txEl>
+                                              <p:pRg st="0" end="0"/>
+                                            </p:txEl>
+                                          </p:spTgt>
+                                        </p:tgtEl>
+                                        <p:attrNameLst>
+                                          <p:attrName>style.visibility</p:attrName>
+                                        </p:attrNameLst>
+                                      </p:cBhvr>
+                                      <p:to>
+                                        <p:strVal val="visible"/>
+                                      </p:to>
+                                    </p:set>
+                                    <p:anim calcmode="lin" valueType="num">
+                                      <p:cBhvr>
+                                        <p:cTn id="7" dur="1000" fill="hold"/>
+                                        <p:tgtEl>
+                                          <p:spTgt spid="3">
+                                            <p:txEl>
+                                              <p:pRg st="0" end="0"/>
+                                            </p:txEl>
+                                          </p:spTgt>
+                                        </p:tgtEl>
+                                        <p:attrNameLst>
+                                          <p:attrName>ppt_w</p:attrName>
+                                        </p:attrNameLst>
+                                      </p:cBhvr>
+                                      <p:tavLst>
+                                        <p:tav tm="0">
+                                          <p:val>
+                                            <p:fltVal val="0"/>
+                                          </p:val>
+                                        </p:tav>
+                                        <p:tav tm="100000">
+                                          <p:val>
+                                            <p:strVal val="#ppt_w"/>
+                                          </p:val>
+                                        </p:tav>
+                                      </p:tavLst>
+                                    </p:anim>
+                                    <p:anim calcmode="lin" valueType="num">
+                                      <p:cBhvr>
+                                        <p:cTn id="8" dur="1000" fill="hold"/>
+                                        <p:tgtEl>
+                                          <p:spTgt spid="3">
+                                            <p:txEl>
+                                              <p:pRg st="0" end="0"/>
+                                            </p:txEl>
+                                          </p:spTgt>
+                                        </p:tgtEl>
+                                        <p:attrNameLst>
+                                          <p:attrName>ppt_h</p:attrName>
+                                        </p:attrNameLst>
+                                      </p:cBhvr>
+                                      <p:tavLst>
+                                        <p:tav tm="0">
+                                          <p:val>
+                                            <p:fltVal val="0"/>
+                                          </p:val>
+                                        </p:tav>
+                                        <p:tav tm="100000">
+                                          <p:val>
+                                            <p:strVal val="#ppt_h"/>
+                                          </p:val>
+                                        </p:tav>
+                                      </p:tavLst>
+                                    </p:anim>
+                                    <p:anim calcmode="lin" valueType="num">
+                                      <p:cBhvr>
+                                        <p:cTn id="9" dur="1000" fill="hold"/>
+                                        <p:tgtEl>
+                                          <p:spTgt spid="3">
+                                            <p:txEl>
+                                              <p:pRg st="0" end="0"/>
+                                            </p:txEl>
+                                          </p:spTgt>
+                                        </p:tgtEl>
+                                        <p:attrNameLst>
+                                          <p:attrName>style.rotation</p:attrName>
+                                        </p:attrNameLst>
+                                      </p:cBhvr>
+                                      <p:tavLst>
+                                        <p:tav tm="0">
+                                          <p:val>
+                                            <p:fltVal val="90"/>
+                                          </p:val>
+                                        </p:tav>
+                                        <p:tav tm="100000">
+                                          <p:val>
+                                            <p:fltVal val="0"/>
+                                          </p:val>
+                                        </p:tav>
+                                      </p:tavLst>
+                                    </p:anim>
+                                    <p:animEffect transition="in" filter="fade">
+                                      <p:cBhvr>
+                                        <p:cTn id="10" dur="1000"/>
+                                        <p:tgtEl>
+                                          <p:spTgt spid="3">
+                                            <p:txEl>
+                                              <p:pRg st="0" end="0"/>
+                                            </p:txEl>
+                                          </p:spTgt>
+                                        </p:tgtEl>
+                                      </p:cBhvr>
+                                    </p:animEffect>
+                                  </p:childTnLst>
+                                </p:cTn>
+                              </p:par>
+                            </p:childTnLst>
+                          </p:cTn>
+                        </p:par>
+                      </p:childTnLst>
+                    </p:cTn>
+                  </p:par>
+                  <p:par>
+                    <p:cTn id="11" fill="hold">
+                      <p:stCondLst>
+                        <p:cond delay="indefinite"/>
+                      </p:stCondLst>
+                      <p:childTnLst>
+                        <p:par>
+                          <p:cTn id="12" fill="hold">
+                            <p:stCondLst>
+                              <p:cond delay="0"/>
+                            </p:stCondLst>
+                            <p:childTnLst>
+                              <p:par>
+                                <p:cTn id="13" presetID="31" presetClass="entr" presetSubtype="0" fill="hold" nodeType="clickEffect">
+                                  <p:stCondLst>
+                                    <p:cond delay="0"/>
+                                  </p:stCondLst>
+                                  <p:childTnLst>
+                                    <p:set>
+                                      <p:cBhvr>
+                                        <p:cTn id="14" dur="1" fill="hold">
+                                          <p:stCondLst>
+                                            <p:cond delay="0"/>
+                                          </p:stCondLst>
+                                        </p:cTn>
+                                        <p:tgtEl>
+                                          <p:spTgt spid="3">
+                                            <p:txEl>
+                                              <p:pRg st="1" end="1"/>
+                                            </p:txEl>
+                                          </p:spTgt>
+                                        </p:tgtEl>
+                                        <p:attrNameLst>
+                                          <p:attrName>style.visibility</p:attrName>
+                                        </p:attrNameLst>
+                                      </p:cBhvr>
+                                      <p:to>
+                                        <p:strVal val="visible"/>
+                                      </p:to>
+                                    </p:set>
+                                    <p:anim calcmode="lin" valueType="num">
+                                      <p:cBhvr>
+                                        <p:cTn id="15" dur="1000" fill="hold"/>
+                                        <p:tgtEl>
+                                          <p:spTgt spid="3">
+                                            <p:txEl>
+                                              <p:pRg st="1" end="1"/>
+                                            </p:txEl>
+                                          </p:spTgt>
+                                        </p:tgtEl>
+                                        <p:attrNameLst>
+                                          <p:attrName>ppt_w</p:attrName>
+                                        </p:attrNameLst>
+                                      </p:cBhvr>
+                                      <p:tavLst>
+                                        <p:tav tm="0">
+                                          <p:val>
+                                            <p:fltVal val="0"/>
+                                          </p:val>
+                                        </p:tav>
+                                        <p:tav tm="100000">
+                                          <p:val>
+                                            <p:strVal val="#ppt_w"/>
+                                          </p:val>
+                                        </p:tav>
+                                      </p:tavLst>
+                                    </p:anim>
+                                    <p:anim calcmode="lin" valueType="num">
+                                      <p:cBhvr>
+                                        <p:cTn id="16" dur="1000" fill="hold"/>
+                                        <p:tgtEl>
+                                          <p:spTgt spid="3">
+                                            <p:txEl>
+                                              <p:pRg st="1" end="1"/>
+                                            </p:txEl>
+                                          </p:spTgt>
+                                        </p:tgtEl>
+                                        <p:attrNameLst>
+                                          <p:attrName>ppt_h</p:attrName>
+                                        </p:attrNameLst>
+                                      </p:cBhvr>
+                                      <p:tavLst>
+                                        <p:tav tm="0">
+                                          <p:val>
+                                            <p:fltVal val="0"/>
+                                          </p:val>
+                                        </p:tav>
+                                        <p:tav tm="100000">
+                                          <p:val>
+                                            <p:strVal val="#ppt_h"/>
+                                          </p:val>
+                                        </p:tav>
+                                      </p:tavLst>
+                                    </p:anim>
+                                    <p:anim calcmode="lin" valueType="num">
+                                      <p:cBhvr>
+                                        <p:cTn id="17" dur="1000" fill="hold"/>
+                                        <p:tgtEl>
+                                          <p:spTgt spid="3">
+                                            <p:txEl>
+                                              <p:pRg st="1" end="1"/>
+                                            </p:txEl>
+                                          </p:spTgt>
+                                        </p:tgtEl>
+                                        <p:attrNameLst>
+                                          <p:attrName>style.rotation</p:attrName>
+                                        </p:attrNameLst>
+                                      </p:cBhvr>
+                                      <p:tavLst>
+                                        <p:tav tm="0">
+                                          <p:val>
+                                            <p:fltVal val="90"/>
+                                          </p:val>
+                                        </p:tav>
+                                        <p:tav tm="100000">
+                                          <p:val>
+                                            <p:fltVal val="0"/>
+                                          </p:val>
+                                        </p:tav>
+                                      </p:tavLst>
+                                    </p:anim>
+                                    <p:animEffect transition="in" filter="fade">
+                                      <p:cBhvr>
+                                        <p:cTn id="18" dur="1000"/>
+                                        <p:tgtEl>
+                                          <p:spTgt spid="3">
+                                            <p:txEl>
+                                              <p:pRg st="1" end="1"/>
+                                            </p:txEl>
+                                          </p:spTgt>
+                                        </p:tgtEl>
+                                      </p:cBhvr>
+                                    </p:animEffect>
+                                  </p:childTnLst>
+                                </p:cTn>
+                              </p:par>
+                            </p:childTnLst>
+                          </p:cTn>
+                        </p:par>
+                      </p:childTnLst>
+                    </p:cTn>
+                  </p:par>
+                </p:childTnLst>
+              </p:cTn>
+              <p:prevCondLst>
+                <p:cond evt="onPrev" delay="0">
+                  <p:tgtEl>
+                    <p:sldTgt/>
+                  </p:tgtEl>
+                </p:cond>
+              </p:prevCondLst>
+              <p:nextCondLst>
+                <p:cond evt="onNext" delay="0">
+                  <p:tgtEl>
+                    <p:sldTgt/>
+                  </p:tgtEl>
+                </p:cond>
+              </p:nextCondLst>
+            </p:seq>
+          </p:childTnLst>
+        </p:cTn>
+      </p:par>
+    </p:tnLst>
+  </p:timing>
+</p:sld>
+</file>
+
+<file path=ppt/slides/slide5.xml><?xml version="1.0" encoding="utf-8"?>
+<p:sld xmlns:a="http://schemas.openxmlformats.org/drawingml/2006/main" xmlns:r="http://schemas.openxmlformats.org/officeDocument/2006/relationships" xmlns:p="http://schemas.openxmlformats.org/presentationml/2006/main">
+  <p:cSld>
+    <p:spTree>
+      <p:nvGrpSpPr>
+        <p:cNvPr id="1" name=""/>
+        <p:cNvGrpSpPr/>
+        <p:nvPr/>
+      </p:nvGrpSpPr>
+      <p:grpSpPr>
+        <a:xfrm>
+          <a:off x="0" y="0"/>
+          <a:ext cx="0" cy="0"/>
+          <a:chOff x="0" y="0"/>
+          <a:chExt cx="0" cy="0"/>
+        </a:xfrm>
+      </p:grpSpPr>
+      <p:sp>
+        <p:nvSpPr>
+          <p:cNvPr id="2" name="Title 1"/>
+          <p:cNvSpPr>
+            <a:spLocks noGrp="1"/>
+          </p:cNvSpPr>
+          <p:nvPr>
+            <p:ph type="title"/>
+          </p:nvPr>
+        </p:nvSpPr>
+        <p:spPr/>
+        <p:txBody>
+          <a:bodyPr/>
+          <a:lstStyle/>
+          <a:p>
+            <a:r>
+              <a:rPr lang="en-US" b="1" dirty="0">
+                <a:solidFill>
+                  <a:srgbClr val="0070C0"/>
+                </a:solidFill>
+              </a:rPr>
+              <a:t>I. Token-Based Authentication</a:t>
+            </a:r>
+            <a:r>
+              <a:rPr lang="en-US" b="1" dirty="0"/>
+              <a:t/>
+            </a:r>
+            <a:br>
+              <a:rPr lang="en-US" b="1" dirty="0"/>
+            </a:br>
+            <a:r>
+              <a:rPr lang="en-US" sz="2800" dirty="0"/>
+              <a:t>2. </a:t>
+            </a:r>
+            <a:r>
+              <a:rPr lang="en-US" sz="2800" b="1" dirty="0"/>
+              <a:t>Pros and cons</a:t>
+            </a:r>
+          </a:p>
+        </p:txBody>
+      </p:sp>
+      <p:sp>
+        <p:nvSpPr>
+          <p:cNvPr id="3" name="Content Placeholder 2"/>
+          <p:cNvSpPr>
+            <a:spLocks noGrp="1"/>
+          </p:cNvSpPr>
+          <p:nvPr>
+            <p:ph idx="1"/>
+          </p:nvPr>
+        </p:nvSpPr>
+        <p:spPr/>
+        <p:txBody>
+          <a:bodyPr/>
+          <a:lstStyle/>
+          <a:p>
+            <a:r>
+              <a:rPr lang="en-US" sz="2800" dirty="0" smtClean="0"/>
+              <a:t>Pros:</a:t>
+            </a:r>
+          </a:p>
+          <a:p>
+            <a:pPr>
+              <a:buFontTx/>
+              <a:buChar char="-"/>
+            </a:pPr>
+            <a:r>
+              <a:rPr lang="en-US" sz="2000" b="1" dirty="0" smtClean="0"/>
+              <a:t>Cross-domain </a:t>
+            </a:r>
+            <a:r>
+              <a:rPr lang="en-US" sz="2000" b="1" dirty="0"/>
+              <a:t>/ CORS</a:t>
+            </a:r>
+            <a:r>
+              <a:rPr lang="en-US" sz="2000" b="1" dirty="0" smtClean="0"/>
+              <a:t>: </a:t>
+            </a:r>
+            <a:r>
+              <a:rPr lang="en-US" sz="2000" dirty="0" smtClean="0"/>
+              <a:t>its work any server on any domain</a:t>
+            </a:r>
+          </a:p>
+          <a:p>
+            <a:pPr>
+              <a:buFontTx/>
+              <a:buChar char="-"/>
+            </a:pPr>
+            <a:r>
+              <a:rPr lang="en-US" sz="2000" b="1" dirty="0"/>
+              <a:t>Stateless </a:t>
+            </a:r>
+            <a:r>
+              <a:rPr lang="en-US" sz="2000" b="1" dirty="0" smtClean="0"/>
+              <a:t>: </a:t>
+            </a:r>
+            <a:r>
+              <a:rPr lang="en-US" sz="2000" dirty="0"/>
+              <a:t>The rest of the state lives in cookies or local storage on the client </a:t>
+            </a:r>
+            <a:r>
+              <a:rPr lang="en-US" sz="2000" dirty="0" smtClean="0"/>
+              <a:t>side.</a:t>
+            </a:r>
+          </a:p>
+          <a:p>
+            <a:pPr>
+              <a:buFontTx/>
+              <a:buChar char="-"/>
+            </a:pPr>
+            <a:r>
+              <a:rPr lang="en-US" sz="2000" b="1" dirty="0"/>
+              <a:t>Decoupling:</a:t>
+            </a:r>
+            <a:r>
+              <a:rPr lang="en-US" sz="2000" dirty="0"/>
+              <a:t> you are not tied to any particular authentication </a:t>
+            </a:r>
+            <a:r>
+              <a:rPr lang="en-US" sz="2000" dirty="0" smtClean="0"/>
+              <a:t>scheme</a:t>
+            </a:r>
+          </a:p>
+          <a:p>
+            <a:pPr>
+              <a:buFontTx/>
+              <a:buChar char="-"/>
+            </a:pPr>
+            <a:r>
+              <a:rPr lang="en-US" sz="2000" b="1" dirty="0"/>
+              <a:t>Performance:</a:t>
+            </a:r>
+            <a:r>
+              <a:rPr lang="en-US" sz="2000" dirty="0"/>
+              <a:t> </a:t>
+            </a:r>
+            <a:r>
+              <a:rPr lang="en-US" sz="2000" dirty="0" smtClean="0"/>
+              <a:t>Finding </a:t>
+            </a:r>
+            <a:r>
+              <a:rPr lang="en-US" sz="2000" dirty="0"/>
+              <a:t>a session on database) is likely to take more time than calculating an HMACSHA256 to validate a token and parsing its contents.</a:t>
+            </a:r>
+            <a:endParaRPr lang="en-US" sz="2000" dirty="0"/>
+          </a:p>
+        </p:txBody>
+      </p:sp>
+    </p:spTree>
+    <p:extLst>
+      <p:ext uri="{BB962C8B-B14F-4D97-AF65-F5344CB8AC3E}">
+        <p14:creationId xmlns:p14="http://schemas.microsoft.com/office/powerpoint/2010/main" val="2713928317"/>
+      </p:ext>
+    </p:extLst>
+  </p:cSld>
+  <p:clrMapOvr>
+    <a:masterClrMapping/>
+  </p:clrMapOvr>
+  <p:timing>
+    <p:tnLst>
+      <p:par>
+        <p:cTn id="1" dur="indefinite" restart="never" nodeType="tmRoot"/>
+      </p:par>
+    </p:tnLst>
+  </p:timing>
 </p:sld>
 </file>
 
@@ -7770,34 +9577,34 @@
         <a:sysClr val="window" lastClr="FFFFFF"/>
       </a:lt1>
       <a:dk2>
-        <a:srgbClr val="766F54"/>
+        <a:srgbClr val="2E5369"/>
       </a:dk2>
       <a:lt2>
-        <a:srgbClr val="E3EACF"/>
+        <a:srgbClr val="CFE2E7"/>
       </a:lt2>
       <a:accent1>
-        <a:srgbClr val="A53010"/>
+        <a:srgbClr val="353535"/>
       </a:accent1>
       <a:accent2>
-        <a:srgbClr val="DE7E18"/>
+        <a:srgbClr val="31B4E6"/>
       </a:accent2>
       <a:accent3>
-        <a:srgbClr val="9F8351"/>
+        <a:srgbClr val="265991"/>
       </a:accent3>
       <a:accent4>
-        <a:srgbClr val="728653"/>
+        <a:srgbClr val="7E40CC"/>
       </a:accent4>
       <a:accent5>
-        <a:srgbClr val="92AA4C"/>
+        <a:srgbClr val="B927E9"/>
       </a:accent5>
       <a:accent6>
-        <a:srgbClr val="6AAC91"/>
+        <a:srgbClr val="E833BF"/>
       </a:accent6>
       <a:hlink>
-        <a:srgbClr val="FB4A18"/>
+        <a:srgbClr val="2DA0F1"/>
       </a:hlink>
       <a:folHlink>
-        <a:srgbClr val="FB9318"/>
+        <a:srgbClr val="7ED1E6"/>
       </a:folHlink>
     </a:clrScheme>
     <a:fontScheme name="Wisp">
@@ -7996,7 +9803,7 @@
   <a:extraClrSchemeLst/>
   <a:extLst>
     <a:ext uri="{05A4C25C-085E-4340-85A3-A5531E510DB2}">
-      <thm15:themeFamily xmlns:thm15="http://schemas.microsoft.com/office/thememl/2012/main" name="Wisp" id="{7CB32D59-10C0-40DD-B7BD-2E94284A981C}" vid="{24B1A44C-C006-48B2-A4D7-E5549B3D8CD4}"/>
+      <thm15:themeFamily xmlns:thm15="http://schemas.microsoft.com/office/thememl/2012/main" name="Wisp" id="{7CB32D59-10C0-40DD-B7BD-2E94284A981C}" vid="{4F34B87B-9C7A-41AE-A6CB-48536223DFFD}"/>
     </a:ext>
   </a:extLst>
 </a:theme>
